--- a/CINNUG-Blockchain-20160628.pptx
+++ b/CINNUG-Blockchain-20160628.pptx
@@ -102,7 +102,7 @@
     <p:sldId id="258" r:id="rId93"/>
   </p:sldIdLst>
   <p:sldSz cx="12192000" cy="6858000"/>
-  <p:notesSz cx="6858000" cy="9144000"/>
+  <p:notesSz cx="7077075" cy="9363075"/>
   <p:defaultTextStyle>
     <a:defPPr>
       <a:defRPr lang="en-US"/>
@@ -244,14 +244,14 @@
         <p:spPr>
           <a:xfrm>
             <a:off x="0" y="0"/>
-            <a:ext cx="2971800" cy="458788"/>
+            <a:ext cx="3066733" cy="469780"/>
           </a:xfrm>
           <a:prstGeom prst="rect">
             <a:avLst/>
           </a:prstGeom>
         </p:spPr>
         <p:txBody>
-          <a:bodyPr vert="horz" lIns="91440" tIns="45720" rIns="91440" bIns="45720" rtlCol="0"/>
+          <a:bodyPr vert="horz" lIns="93936" tIns="46968" rIns="93936" bIns="46968" rtlCol="0"/>
           <a:lstStyle>
             <a:lvl1pPr algn="l">
               <a:defRPr sz="1200"/>
@@ -274,15 +274,15 @@
         </p:nvSpPr>
         <p:spPr>
           <a:xfrm>
-            <a:off x="3884613" y="0"/>
-            <a:ext cx="2971800" cy="458788"/>
+            <a:off x="4008705" y="0"/>
+            <a:ext cx="3066733" cy="469780"/>
           </a:xfrm>
           <a:prstGeom prst="rect">
             <a:avLst/>
           </a:prstGeom>
         </p:spPr>
         <p:txBody>
-          <a:bodyPr vert="horz" lIns="91440" tIns="45720" rIns="91440" bIns="45720" rtlCol="0"/>
+          <a:bodyPr vert="horz" lIns="93936" tIns="46968" rIns="93936" bIns="46968" rtlCol="0"/>
           <a:lstStyle>
             <a:lvl1pPr algn="r">
               <a:defRPr sz="1200"/>
@@ -291,7 +291,7 @@
           <a:p>
             <a:fld id="{07DC3572-6C0C-4AEA-8685-A3EA8C3B3CA0}" type="datetimeFigureOut">
               <a:rPr lang="en-US" smtClean="0"/>
-              <a:t>6/26/2016</a:t>
+              <a:t>2/16/2017</a:t>
             </a:fld>
             <a:endParaRPr lang="en-US"/>
           </a:p>
@@ -309,8 +309,8 @@
         </p:nvSpPr>
         <p:spPr>
           <a:xfrm>
-            <a:off x="685800" y="1143000"/>
-            <a:ext cx="5486400" cy="3086100"/>
+            <a:off x="728663" y="1169988"/>
+            <a:ext cx="5619750" cy="3160712"/>
           </a:xfrm>
           <a:prstGeom prst="rect">
             <a:avLst/>
@@ -323,7 +323,7 @@
           </a:ln>
         </p:spPr>
         <p:txBody>
-          <a:bodyPr vert="horz" lIns="91440" tIns="45720" rIns="91440" bIns="45720" rtlCol="0" anchor="ctr"/>
+          <a:bodyPr vert="horz" lIns="93936" tIns="46968" rIns="93936" bIns="46968" rtlCol="0" anchor="ctr"/>
           <a:lstStyle/>
           <a:p>
             <a:endParaRPr lang="en-US"/>
@@ -342,15 +342,15 @@
         </p:nvSpPr>
         <p:spPr>
           <a:xfrm>
-            <a:off x="685800" y="4400550"/>
-            <a:ext cx="5486400" cy="3600450"/>
+            <a:off x="707708" y="4505980"/>
+            <a:ext cx="5661660" cy="3686711"/>
           </a:xfrm>
           <a:prstGeom prst="rect">
             <a:avLst/>
           </a:prstGeom>
         </p:spPr>
         <p:txBody>
-          <a:bodyPr vert="horz" lIns="91440" tIns="45720" rIns="91440" bIns="45720" rtlCol="0"/>
+          <a:bodyPr vert="horz" lIns="93936" tIns="46968" rIns="93936" bIns="46968" rtlCol="0"/>
           <a:lstStyle/>
           <a:p>
             <a:pPr lvl="0"/>
@@ -401,15 +401,15 @@
         </p:nvSpPr>
         <p:spPr>
           <a:xfrm>
-            <a:off x="0" y="8685213"/>
-            <a:ext cx="2971800" cy="458787"/>
+            <a:off x="0" y="8893297"/>
+            <a:ext cx="3066733" cy="469779"/>
           </a:xfrm>
           <a:prstGeom prst="rect">
             <a:avLst/>
           </a:prstGeom>
         </p:spPr>
         <p:txBody>
-          <a:bodyPr vert="horz" lIns="91440" tIns="45720" rIns="91440" bIns="45720" rtlCol="0" anchor="b"/>
+          <a:bodyPr vert="horz" lIns="93936" tIns="46968" rIns="93936" bIns="46968" rtlCol="0" anchor="b"/>
           <a:lstStyle>
             <a:lvl1pPr algn="l">
               <a:defRPr sz="1200"/>
@@ -432,15 +432,15 @@
         </p:nvSpPr>
         <p:spPr>
           <a:xfrm>
-            <a:off x="3884613" y="8685213"/>
-            <a:ext cx="2971800" cy="458787"/>
+            <a:off x="4008705" y="8893297"/>
+            <a:ext cx="3066733" cy="469779"/>
           </a:xfrm>
           <a:prstGeom prst="rect">
             <a:avLst/>
           </a:prstGeom>
         </p:spPr>
         <p:txBody>
-          <a:bodyPr vert="horz" lIns="91440" tIns="45720" rIns="91440" bIns="45720" rtlCol="0" anchor="b"/>
+          <a:bodyPr vert="horz" lIns="93936" tIns="46968" rIns="93936" bIns="46968" rtlCol="0" anchor="b"/>
           <a:lstStyle>
             <a:lvl1pPr algn="r">
               <a:defRPr sz="1200"/>
@@ -607,7 +607,7 @@
               <a:t>Good evening. My name is Ken Baum and tonight we’re going to take a look at the block chain.  If you have never heard of the block chain, you soon will, because the hype machine on block chain technology is reaching escape velocity</a:t>
             </a:r>
             <a:r>
-              <a:rPr lang="en-US" sz="1600" dirty="0" smtClean="0"/>
+              <a:rPr lang="en-US" sz="1600" dirty="0"/>
               <a:t>.</a:t>
             </a:r>
           </a:p>
@@ -808,7 +808,7 @@
               <a:t>The dictionary definition is that a ledger is “an account book of final entry, in which business transactions are recorded.” This is why some people don’t like referring to the Block Chain as a ledger because, in their mind, it implies that the Block Chain is specifically designed for financial transactions. I think that’s a fair criticism, but, as I hope to show you, the Block Chain is appropriate for just about any transactional data, from social security payments to online voting</a:t>
             </a:r>
             <a:r>
-              <a:rPr lang="en-US" sz="1400" dirty="0" smtClean="0"/>
+              <a:rPr lang="en-US" sz="1400" dirty="0"/>
               <a:t>.</a:t>
             </a:r>
           </a:p>
@@ -1181,7 +1181,7 @@
               <a:t>So now, at last, we can talk about what the Block Chain is. It’s a ledger, but a ledger with three special characteristics. It’s tamper-evident, it’s distributed, and it’s decentralized</a:t>
             </a:r>
             <a:r>
-              <a:rPr lang="en-US" sz="1400" dirty="0" smtClean="0"/>
+              <a:rPr lang="en-US" sz="1400" dirty="0"/>
               <a:t>.</a:t>
             </a:r>
           </a:p>
@@ -1276,8 +1276,8 @@
         </p:nvSpPr>
         <p:spPr>
           <a:xfrm>
-            <a:off x="685800" y="4400549"/>
-            <a:ext cx="5486400" cy="4090307"/>
+            <a:off x="707708" y="4505979"/>
+            <a:ext cx="5661660" cy="4188304"/>
           </a:xfrm>
         </p:spPr>
         <p:txBody>
@@ -1285,105 +1285,91 @@
           <a:lstStyle/>
           <a:p>
             <a:r>
-              <a:rPr lang="en-US" sz="950" dirty="0"/>
+              <a:rPr lang="en-US" sz="1000" dirty="0"/>
               <a:t>This diagram represents the Block Chain. As you can see, it resembles a simple, singly-linked list. Rather than being linked by traditional pointers, the blocks are linked using hash pointers. A hash pointer is a pointer that not only points to the location of another object, it contains the hash value of some data in that object. We’ll talk more about hash pointers in a bit, but I think as the explanation proceeds you’ll get the gist</a:t>
             </a:r>
             <a:r>
-              <a:rPr lang="en-US" sz="950" dirty="0" smtClean="0"/>
+              <a:rPr lang="en-US" sz="1000" dirty="0"/>
               <a:t>.</a:t>
             </a:r>
           </a:p>
           <a:p>
-            <a:endParaRPr lang="en-US" sz="950" dirty="0"/>
-          </a:p>
-          <a:p>
-            <a:r>
-              <a:rPr lang="en-US" sz="950" dirty="0"/>
+            <a:endParaRPr lang="en-US" sz="1000" dirty="0"/>
+          </a:p>
+          <a:p>
+            <a:r>
+              <a:rPr lang="en-US" sz="1000" dirty="0"/>
               <a:t>In our diagram, the larger, green box is the block and the inner black box is what is called the block header. The block header contains such things as the version number and a timestamp, among other things. </a:t>
             </a:r>
-            <a:endParaRPr lang="en-US" sz="950" dirty="0" smtClean="0"/>
-          </a:p>
-          <a:p>
-            <a:endParaRPr lang="en-US" sz="950" dirty="0"/>
-          </a:p>
-          <a:p>
-            <a:r>
-              <a:rPr lang="en-US" sz="950" dirty="0"/>
+            <a:endParaRPr lang="en-US" sz="1000" dirty="0"/>
+          </a:p>
+          <a:p>
+            <a:endParaRPr lang="en-US" sz="1000" dirty="0"/>
+          </a:p>
+          <a:p>
+            <a:r>
+              <a:rPr lang="en-US" sz="1000" dirty="0"/>
               <a:t>Two of those “other things” are a couple of hash pointers. The one is a hash value called the </a:t>
             </a:r>
             <a:r>
-              <a:rPr lang="en-US" sz="950" dirty="0" err="1"/>
+              <a:rPr lang="en-US" sz="1000" dirty="0" err="1"/>
               <a:t>Merkle</a:t>
             </a:r>
             <a:r>
-              <a:rPr lang="en-US" sz="950" dirty="0"/>
+              <a:rPr lang="en-US" sz="1000" dirty="0"/>
               <a:t> root. This is a hash value obtained by hashing the transactions in this particular block. The transactions themselves are not in the block header, but the hash value obtained from the transactions is in the header. We’ll have more to say about </a:t>
             </a:r>
             <a:r>
-              <a:rPr lang="en-US" sz="950" dirty="0" err="1"/>
+              <a:rPr lang="en-US" sz="1000" dirty="0" err="1"/>
               <a:t>Merkle</a:t>
             </a:r>
             <a:r>
-              <a:rPr lang="en-US" sz="950" dirty="0"/>
+              <a:rPr lang="en-US" sz="1000" dirty="0"/>
               <a:t> trees, so bear with me if you’re not quite following.</a:t>
             </a:r>
           </a:p>
           <a:p>
             <a:r>
-              <a:rPr lang="en-US" sz="950" dirty="0"/>
+              <a:rPr lang="en-US" sz="1000" dirty="0"/>
               <a:t>The other hash value is the one that interests us at this point. It’s a hash of the previous block’s header. These hex values represent the hash value. Note that each block points to the previous block, all the way back to the initial block, rather melodramatically called the “Genesis” block by the Bitcoin community. The Genesis block has a </a:t>
             </a:r>
             <a:r>
-              <a:rPr lang="en-US" sz="950" dirty="0" smtClean="0"/>
+              <a:rPr lang="en-US" sz="1000" dirty="0"/>
               <a:t>value </a:t>
             </a:r>
             <a:r>
-              <a:rPr lang="en-US" sz="950" dirty="0"/>
+              <a:rPr lang="en-US" sz="1000" dirty="0"/>
               <a:t>of zero for the previous hash, which makes sense since there is no previous block. </a:t>
             </a:r>
-            <a:endParaRPr lang="en-US" sz="950" dirty="0" smtClean="0"/>
-          </a:p>
-          <a:p>
-            <a:endParaRPr lang="en-US" sz="950" dirty="0"/>
-          </a:p>
-          <a:p>
-            <a:r>
-              <a:rPr lang="en-US" sz="950" dirty="0"/>
+            <a:endParaRPr lang="en-US" sz="1000" dirty="0"/>
+          </a:p>
+          <a:p>
+            <a:endParaRPr lang="en-US" sz="1000" dirty="0"/>
+          </a:p>
+          <a:p>
+            <a:r>
+              <a:rPr lang="en-US" sz="1000" dirty="0"/>
               <a:t>There is no place in the block for the hash of the current block header. It’s a computed value that is stored on each node in the network. This is represented by the capital H followed by empty parentheses. Note that the H does NOT stand for “head” as we might think. It’s rather the standard cryptographic representation of a hash pointer</a:t>
             </a:r>
             <a:r>
-              <a:rPr lang="en-US" sz="950" dirty="0" smtClean="0"/>
+              <a:rPr lang="en-US" sz="1000" dirty="0"/>
               <a:t>.</a:t>
             </a:r>
           </a:p>
           <a:p>
-            <a:endParaRPr lang="en-US" sz="950" dirty="0"/>
-          </a:p>
-          <a:p>
-            <a:r>
-              <a:rPr lang="en-US" sz="950" dirty="0"/>
+            <a:endParaRPr lang="en-US" sz="1000" dirty="0"/>
+          </a:p>
+          <a:p>
+            <a:r>
+              <a:rPr lang="en-US" sz="1000" dirty="0"/>
               <a:t>The important observation here is that if you change anything in any of the blocks, that tampering will become evident to all nodes in the network. As long as each node has its own copy of the hash value of the current block header, it can compute the value of the hashes and verify that nothing has changed. </a:t>
             </a:r>
           </a:p>
           <a:p>
-            <a:pPr marL="0" marR="0" indent="0" algn="l" defTabSz="914400" rtl="0" eaLnBrk="1" fontAlgn="auto" latinLnBrk="0" hangingPunct="1">
-              <a:lnSpc>
-                <a:spcPct val="100000"/>
-              </a:lnSpc>
-              <a:spcBef>
-                <a:spcPts val="0"/>
-              </a:spcBef>
-              <a:spcAft>
-                <a:spcPts val="0"/>
-              </a:spcAft>
-              <a:buClrTx/>
-              <a:buSzTx/>
-              <a:buFontTx/>
-              <a:buNone/>
-              <a:tabLst/>
+            <a:pPr defTabSz="939363">
               <a:defRPr/>
             </a:pPr>
-            <a:endParaRPr lang="en-US" sz="950" dirty="0"/>
+            <a:endParaRPr lang="en-US" sz="1000" dirty="0"/>
           </a:p>
         </p:txBody>
       </p:sp>
@@ -1472,7 +1458,7 @@
               <a:t>Let me see if I can illustrate this. An adversary, let’s call her Alice, has tampered with the second block in the Block Chain. Why Alice? Because every article or video or Wikipedia post I’ve ever read, and I’ve read a bunch in the last few months, always use Alice and Bob in their examples. So who am I to buck tradition? Anyway, let’s say Alice has changed the recipient of a Bitcoin payment to one of her Bitcoin addresses so she will receive the bitcoins instead of the intended recipient</a:t>
             </a:r>
             <a:r>
-              <a:rPr lang="en-US" sz="1400" dirty="0" smtClean="0"/>
+              <a:rPr lang="en-US" sz="1400" dirty="0"/>
               <a:t>.</a:t>
             </a:r>
           </a:p>
@@ -1484,7 +1470,7 @@
               <a:rPr lang="en-US" sz="1400" dirty="0"/>
               <a:t>You might wonder how it is that she can tamper with transactions at all. Aren’t they encrypted? The answer to that is no. Everything in the Block Chain is in plain text and is open for the world to see. </a:t>
             </a:r>
-            <a:endParaRPr lang="en-US" sz="1400" dirty="0" smtClean="0"/>
+            <a:endParaRPr lang="en-US" sz="1400" dirty="0"/>
           </a:p>
           <a:p>
             <a:endParaRPr lang="en-US" sz="1400" dirty="0"/>
@@ -1504,21 +1490,7 @@
             </a:r>
           </a:p>
           <a:p>
-            <a:pPr marL="0" marR="0" indent="0" algn="l" defTabSz="914400" rtl="0" eaLnBrk="1" fontAlgn="auto" latinLnBrk="0" hangingPunct="1">
-              <a:lnSpc>
-                <a:spcPct val="100000"/>
-              </a:lnSpc>
-              <a:spcBef>
-                <a:spcPts val="0"/>
-              </a:spcBef>
-              <a:spcAft>
-                <a:spcPts val="0"/>
-              </a:spcAft>
-              <a:buClrTx/>
-              <a:buSzTx/>
-              <a:buFontTx/>
-              <a:buNone/>
-              <a:tabLst/>
+            <a:pPr defTabSz="939363">
               <a:defRPr/>
             </a:pPr>
             <a:endParaRPr lang="en-US" sz="1400" dirty="0"/>
@@ -1627,8 +1599,6 @@
               <a:rPr lang="en-US" dirty="0" smtClean="0"/>
               <a:t>.</a:t>
             </a:r>
-          </a:p>
-          <a:p>
             <a:endParaRPr lang="en-US" dirty="0"/>
           </a:p>
           <a:p>
@@ -1640,8 +1610,6 @@
               <a:rPr lang="en-US" dirty="0" smtClean="0"/>
               <a:t>.</a:t>
             </a:r>
-          </a:p>
-          <a:p>
             <a:endParaRPr lang="en-US" dirty="0"/>
           </a:p>
           <a:p>
@@ -1864,7 +1832,7 @@
               <a:rPr lang="en-US" sz="1400" dirty="0"/>
               <a:t> libraries such as jQuery, Knockout, and Angular. </a:t>
             </a:r>
-            <a:endParaRPr lang="en-US" sz="1400" dirty="0" smtClean="0"/>
+            <a:endParaRPr lang="en-US" sz="1400" dirty="0"/>
           </a:p>
           <a:p>
             <a:endParaRPr lang="en-US" sz="1400" dirty="0"/>
@@ -1965,7 +1933,7 @@
                 <a:spcPct val="107000"/>
               </a:lnSpc>
               <a:spcAft>
-                <a:spcPts val="800"/>
+                <a:spcPts val="822"/>
               </a:spcAft>
             </a:pPr>
             <a:r>
@@ -2377,7 +2345,7 @@
               <a:t>A trusted intermediary is not necessary with the Block Chain. The nodes in the network all validate the blocks and the transactions it contains, using programmatic consensus rules. Once a majority of the nodes on the network achieve consensus on a particular block, that block is accepted into the Block Chain</a:t>
             </a:r>
             <a:r>
-              <a:rPr lang="en-US" sz="1400" dirty="0" smtClean="0"/>
+              <a:rPr lang="en-US" sz="1400" dirty="0"/>
               <a:t>.</a:t>
             </a:r>
           </a:p>
@@ -2390,7 +2358,7 @@
               <a:t>As with the distributed nature of the Block Chain, decentralization is not inherent in the technology. Proposals have been made for “trusted” or “permissioned” Block Chains. In that environment, the definition of consensus might change.  This is an evolving area</a:t>
             </a:r>
             <a:r>
-              <a:rPr lang="en-US" sz="1400" dirty="0" smtClean="0"/>
+              <a:rPr lang="en-US" sz="1400" dirty="0"/>
               <a:t>.</a:t>
             </a:r>
           </a:p>
@@ -2493,7 +2461,7 @@
               <a:t>The process is, roughly, as follows</a:t>
             </a:r>
             <a:r>
-              <a:rPr lang="en-US" sz="1400" dirty="0" smtClean="0"/>
+              <a:rPr lang="en-US" sz="1400" dirty="0"/>
               <a:t>:</a:t>
             </a:r>
           </a:p>
@@ -2507,7 +2475,7 @@
               <a:t>Clients submit </a:t>
             </a:r>
             <a:r>
-              <a:rPr lang="en-US" sz="1400" dirty="0" smtClean="0"/>
+              <a:rPr lang="en-US" sz="1400" dirty="0"/>
               <a:t>transactions</a:t>
             </a:r>
           </a:p>
@@ -2522,7 +2490,7 @@
               <a:t>Nodes propagate the </a:t>
             </a:r>
             <a:r>
-              <a:rPr lang="en-US" sz="1400" dirty="0" smtClean="0"/>
+              <a:rPr lang="en-US" sz="1400" dirty="0"/>
               <a:t>transactions</a:t>
             </a:r>
           </a:p>
@@ -2537,7 +2505,7 @@
               <a:t>Miners process </a:t>
             </a:r>
             <a:r>
-              <a:rPr lang="en-US" sz="1400" dirty="0" smtClean="0"/>
+              <a:rPr lang="en-US" sz="1400" dirty="0"/>
               <a:t>transactions</a:t>
             </a:r>
           </a:p>
@@ -2552,7 +2520,7 @@
               <a:t>Miners validate </a:t>
             </a:r>
             <a:r>
-              <a:rPr lang="en-US" sz="1400" dirty="0" smtClean="0"/>
+              <a:rPr lang="en-US" sz="1400" dirty="0"/>
               <a:t>blocks</a:t>
             </a:r>
           </a:p>
@@ -2567,7 +2535,7 @@
               <a:t>Nodes update the block </a:t>
             </a:r>
             <a:r>
-              <a:rPr lang="en-US" sz="1400" dirty="0" smtClean="0"/>
+              <a:rPr lang="en-US" sz="1400" dirty="0"/>
               <a:t>chain</a:t>
             </a:r>
           </a:p>
@@ -3210,7 +3178,7 @@
           <a:lstStyle/>
           <a:p>
             <a:r>
-              <a:rPr lang="en-US" sz="1400" dirty="0" smtClean="0"/>
+              <a:rPr lang="en-US" sz="1400" dirty="0"/>
               <a:t>What public key?</a:t>
             </a:r>
             <a:endParaRPr lang="en-US" sz="1400" dirty="0"/>
@@ -3482,7 +3450,7 @@
               <a:t>We can now resume our discussion of submitting a transaction. The sender obtains a public/private key pair, the public key part serving as that person’s Bitcoin address. Where does one get these keys? You can get key pairs from the Bitcoin Core client software, or you can go to any number of sites on the Internet and generate all the keys you want. The only requirement is that it be a valid ECDSA key pair and that the generator have a good source of randomness in generating the keys</a:t>
             </a:r>
             <a:r>
-              <a:rPr lang="en-US" sz="1400" dirty="0" smtClean="0"/>
+              <a:rPr lang="en-US" sz="1400" dirty="0"/>
               <a:t>.</a:t>
             </a:r>
           </a:p>
@@ -3585,7 +3553,7 @@
               <a:t>At a high level, the hash is a double SHA256 hash of the transaction. The hash is then signed with the private key, then both the signature and the transaction are sent out on the Bitcoin network, which is on port 8333</a:t>
             </a:r>
             <a:r>
-              <a:rPr lang="en-US" sz="1400" dirty="0" smtClean="0"/>
+              <a:rPr lang="en-US" sz="1400" dirty="0"/>
               <a:t>.</a:t>
             </a:r>
           </a:p>
@@ -3770,8 +3738,8 @@
         </p:nvSpPr>
         <p:spPr>
           <a:xfrm>
-            <a:off x="685800" y="4400549"/>
-            <a:ext cx="5486400" cy="4284663"/>
+            <a:off x="707708" y="4505980"/>
+            <a:ext cx="5661660" cy="4387316"/>
           </a:xfrm>
         </p:spPr>
         <p:txBody>
@@ -3791,7 +3759,7 @@
               <a:t> of this year it will be reduced to 12.5 bitcoins per block.  Depending on the current exchange rate, a 25 bitcoin block reward could be ten to fifteen thousand dollars</a:t>
             </a:r>
             <a:r>
-              <a:rPr lang="en-US" sz="1000" dirty="0" smtClean="0"/>
+              <a:rPr lang="en-US" sz="1000" dirty="0"/>
               <a:t>!</a:t>
             </a:r>
           </a:p>
@@ -3804,7 +3772,7 @@
               <a:t>The basic process for miners is to collect transactions into “blocks.” They then “mine” the block and add the “solved” block to the block chain</a:t>
             </a:r>
             <a:r>
-              <a:rPr lang="en-US" sz="1000" dirty="0" smtClean="0"/>
+              <a:rPr lang="en-US" sz="1000" dirty="0"/>
               <a:t>.</a:t>
             </a:r>
           </a:p>
@@ -3817,7 +3785,7 @@
               <a:t>As transactions arrive over the network, the miners first validate the transactions. This means that they use the public key to verify that the signature provided was actually generated by the owner of the public key.  The miner also ensures that the owner of the public key actually has the bitcoins to spend and that the transaction doesn’t attempt to spend more than the owner has. How that’s actually determined is an interesting and clever technique, but, alas, beyond the scope of this talk</a:t>
             </a:r>
             <a:r>
-              <a:rPr lang="en-US" sz="1000" dirty="0" smtClean="0"/>
+              <a:rPr lang="en-US" sz="1000" dirty="0"/>
               <a:t>.</a:t>
             </a:r>
           </a:p>
@@ -3830,7 +3798,7 @@
               <a:t>Once the transaction validates, the node adds the transaction to the pending list. At some point, a “sufficient” number of transactions have been accumulated and the miner then creates a “block” from the pending transactions</a:t>
             </a:r>
             <a:r>
-              <a:rPr lang="en-US" sz="1000" dirty="0" smtClean="0"/>
+              <a:rPr lang="en-US" sz="1000" dirty="0"/>
               <a:t>.</a:t>
             </a:r>
           </a:p>
@@ -3915,98 +3883,6 @@
       </p:sp>
       <p:sp>
         <p:nvSpPr>
-          <p:cNvPr id="3" name="Notes Placeholder 2"/>
-          <p:cNvSpPr>
-            <a:spLocks noGrp="1"/>
-          </p:cNvSpPr>
-          <p:nvPr>
-            <p:ph type="body" idx="1"/>
-          </p:nvPr>
-        </p:nvSpPr>
-        <p:spPr/>
-        <p:txBody>
-          <a:bodyPr/>
-          <a:lstStyle/>
-          <a:p>
-            <a:pPr marL="0" marR="0" indent="0" algn="l" defTabSz="914400" rtl="0" eaLnBrk="1" fontAlgn="auto" latinLnBrk="0" hangingPunct="1">
-              <a:lnSpc>
-                <a:spcPct val="100000"/>
-              </a:lnSpc>
-              <a:spcBef>
-                <a:spcPts val="0"/>
-              </a:spcBef>
-              <a:spcAft>
-                <a:spcPts val="0"/>
-              </a:spcAft>
-              <a:buClrTx/>
-              <a:buSzTx/>
-              <a:buFontTx/>
-              <a:buNone/>
-              <a:tabLst/>
-              <a:defRPr/>
-            </a:pPr>
-            <a:r>
-              <a:rPr lang="en-US" baseline="0" dirty="0"/>
-              <a:t> </a:t>
-            </a:r>
-          </a:p>
-          <a:p>
-            <a:pPr marL="0" marR="0" indent="0" algn="l" defTabSz="914400" rtl="0" eaLnBrk="1" fontAlgn="auto" latinLnBrk="0" hangingPunct="1">
-              <a:lnSpc>
-                <a:spcPct val="100000"/>
-              </a:lnSpc>
-              <a:spcBef>
-                <a:spcPts val="0"/>
-              </a:spcBef>
-              <a:spcAft>
-                <a:spcPts val="0"/>
-              </a:spcAft>
-              <a:buClrTx/>
-              <a:buSzTx/>
-              <a:buFontTx/>
-              <a:buNone/>
-              <a:tabLst/>
-              <a:defRPr/>
-            </a:pPr>
-            <a:r>
-              <a:rPr lang="en-US" dirty="0" smtClean="0">
-                <a:latin typeface="Calibri" panose="020F0502020204030204" pitchFamily="34" charset="0"/>
-                <a:ea typeface="Calibri" panose="020F0502020204030204" pitchFamily="34" charset="0"/>
-                <a:cs typeface="Times New Roman" panose="02020603050405020304" pitchFamily="18" charset="0"/>
-              </a:rPr>
-              <a:t>Let’s take a little closer look at the structure of a block. We looked at this diagram a little earlier to get a notion of what a block chain is. Conceptually it’s a linked list of blocks where the current block contains a hash of the block header from the previous block. This is the secret of the block chain being a “tamper-evident” ledger. If an adversary modifies a block in the block chain, then it will throw the hash values off for each subsequent block.</a:t>
-            </a:r>
-            <a:endParaRPr lang="en-US" dirty="0" smtClean="0">
-              <a:effectLst/>
-              <a:latin typeface="Calibri" panose="020F0502020204030204" pitchFamily="34" charset="0"/>
-              <a:ea typeface="Calibri" panose="020F0502020204030204" pitchFamily="34" charset="0"/>
-              <a:cs typeface="Times New Roman" panose="02020603050405020304" pitchFamily="18" charset="0"/>
-            </a:endParaRPr>
-          </a:p>
-          <a:p>
-            <a:pPr marL="0" marR="0" indent="0" algn="l" defTabSz="914400" rtl="0" eaLnBrk="1" fontAlgn="auto" latinLnBrk="0" hangingPunct="1">
-              <a:lnSpc>
-                <a:spcPct val="100000"/>
-              </a:lnSpc>
-              <a:spcBef>
-                <a:spcPts val="0"/>
-              </a:spcBef>
-              <a:spcAft>
-                <a:spcPts val="0"/>
-              </a:spcAft>
-              <a:buClrTx/>
-              <a:buSzTx/>
-              <a:buFontTx/>
-              <a:buNone/>
-              <a:tabLst/>
-              <a:defRPr/>
-            </a:pPr>
-            <a:endParaRPr lang="en-US" dirty="0"/>
-          </a:p>
-        </p:txBody>
-      </p:sp>
-      <p:sp>
-        <p:nvSpPr>
           <p:cNvPr id="4" name="Slide Number Placeholder 3"/>
           <p:cNvSpPr>
             <a:spLocks noGrp="1"/>
@@ -4036,15 +3912,15 @@
         </p:nvSpPr>
         <p:spPr>
           <a:xfrm>
-            <a:off x="685800" y="4400550"/>
-            <a:ext cx="5486400" cy="2463238"/>
+            <a:off x="707708" y="4482584"/>
+            <a:ext cx="5661660" cy="2522253"/>
           </a:xfrm>
           <a:prstGeom prst="rect">
             <a:avLst/>
           </a:prstGeom>
         </p:spPr>
         <p:txBody>
-          <a:bodyPr wrap="square">
+          <a:bodyPr wrap="square" lIns="93936" tIns="46968" rIns="93936" bIns="46968">
             <a:spAutoFit/>
           </a:bodyPr>
           <a:lstStyle/>
@@ -4054,7 +3930,7 @@
                 <a:spcPct val="107000"/>
               </a:lnSpc>
               <a:spcAft>
-                <a:spcPts val="800"/>
+                <a:spcPts val="822"/>
               </a:spcAft>
             </a:pPr>
             <a:r>
@@ -4145,7 +4021,7 @@
               <a:rPr lang="en-US" sz="1400" dirty="0"/>
               <a:t> root is, like the hash of the previous block header, a SHA256 hash value (double SHA256 hash, actually) that is stored in the block header. This means there are two 32 byte values, stored as 64 hex digits, in each block header. </a:t>
             </a:r>
-            <a:endParaRPr lang="en-US" sz="1400" dirty="0" smtClean="0"/>
+            <a:endParaRPr lang="en-US" sz="1400" dirty="0"/>
           </a:p>
           <a:p>
             <a:endParaRPr lang="en-US" sz="1400" dirty="0"/>
@@ -4250,19 +4126,15 @@
           <a:lstStyle/>
           <a:p>
             <a:r>
-              <a:rPr lang="en-US" sz="1400" dirty="0" smtClean="0"/>
-              <a:t>As I mentioned,</a:t>
-            </a:r>
-            <a:r>
-              <a:rPr lang="en-US" sz="1400" baseline="0" dirty="0" smtClean="0"/>
-              <a:t> I work for </a:t>
-            </a:r>
-            <a:r>
-              <a:rPr lang="en-US" sz="1400" baseline="0" dirty="0" err="1" smtClean="0"/>
+              <a:rPr lang="en-US" sz="1400" dirty="0"/>
+              <a:t>As I mentioned, I work for </a:t>
+            </a:r>
+            <a:r>
+              <a:rPr lang="en-US" sz="1400" dirty="0" err="1"/>
               <a:t>Ingage</a:t>
             </a:r>
             <a:r>
-              <a:rPr lang="en-US" sz="1400" baseline="0" dirty="0" smtClean="0"/>
+              <a:rPr lang="en-US" sz="1400" dirty="0"/>
               <a:t> Partners, which is a consulting company here in Cincinnati that is committed to using business as a force for good in the community. If you are interested in finding out what that means exactly, I would encourage you to check out our website at www.ingagepartners.com</a:t>
             </a:r>
             <a:endParaRPr lang="en-US" sz="1400" dirty="0"/>
@@ -4362,7 +4234,7 @@
               <a:t> root</a:t>
             </a:r>
             <a:r>
-              <a:rPr lang="en-US" sz="1400" dirty="0" smtClean="0"/>
+              <a:rPr lang="en-US" sz="1400" dirty="0"/>
               <a:t>.</a:t>
             </a:r>
           </a:p>
@@ -4383,7 +4255,7 @@
               <a:t> root</a:t>
             </a:r>
             <a:r>
-              <a:rPr lang="en-US" sz="1400" dirty="0" smtClean="0"/>
+              <a:rPr lang="en-US" sz="1400" dirty="0"/>
               <a:t>.</a:t>
             </a:r>
           </a:p>
@@ -4405,21 +4277,7 @@
             </a:r>
           </a:p>
           <a:p>
-            <a:pPr marL="0" marR="0" indent="0" algn="l" defTabSz="914400" rtl="0" eaLnBrk="1" fontAlgn="auto" latinLnBrk="0" hangingPunct="1">
-              <a:lnSpc>
-                <a:spcPct val="100000"/>
-              </a:lnSpc>
-              <a:spcBef>
-                <a:spcPts val="0"/>
-              </a:spcBef>
-              <a:spcAft>
-                <a:spcPts val="0"/>
-              </a:spcAft>
-              <a:buClrTx/>
-              <a:buSzTx/>
-              <a:buFontTx/>
-              <a:buNone/>
-              <a:tabLst/>
+            <a:pPr defTabSz="939363">
               <a:defRPr/>
             </a:pPr>
             <a:endParaRPr lang="en-US" sz="1400" dirty="0"/>
@@ -4698,7 +4556,7 @@
               <a:rPr lang="en-US" sz="1400" dirty="0"/>
               <a:t> tree and the hash the previous block header. </a:t>
             </a:r>
-            <a:endParaRPr lang="en-US" sz="1400" dirty="0" smtClean="0"/>
+            <a:endParaRPr lang="en-US" sz="1400" dirty="0"/>
           </a:p>
           <a:p>
             <a:endParaRPr lang="en-US" sz="1400" dirty="0"/>
@@ -4978,7 +4836,7 @@
               <a:rPr lang="en-US" sz="1400" dirty="0"/>
               <a:t>First it is to prevent miners from flooding the network with blocks. Without proof, every node could be a mining node and could result in an inadvertent distributed denial of service attack. </a:t>
             </a:r>
-            <a:endParaRPr lang="en-US" sz="1400" dirty="0" smtClean="0"/>
+            <a:endParaRPr lang="en-US" sz="1400" dirty="0"/>
           </a:p>
           <a:p>
             <a:endParaRPr lang="en-US" sz="1400" dirty="0"/>
@@ -5161,8 +5019,8 @@
         </p:nvSpPr>
         <p:spPr>
           <a:xfrm>
-            <a:off x="685800" y="4400549"/>
-            <a:ext cx="5486400" cy="4177393"/>
+            <a:off x="707708" y="4505980"/>
+            <a:ext cx="5661660" cy="4277476"/>
           </a:xfrm>
         </p:spPr>
         <p:txBody>
@@ -5189,7 +5047,7 @@
               <a:rPr lang="en-US" sz="1400" dirty="0"/>
               <a:t> repository. </a:t>
             </a:r>
-            <a:endParaRPr lang="en-US" sz="1400" dirty="0" smtClean="0"/>
+            <a:endParaRPr lang="en-US" sz="1400" dirty="0"/>
           </a:p>
           <a:p>
             <a:endParaRPr lang="en-US" sz="1400" dirty="0"/>
@@ -5199,14 +5057,14 @@
               <a:rPr lang="en-US" sz="1400" dirty="0"/>
               <a:t>Proof of stake means that you demonstrate that you have skin in the game. You do that by proving that you have bitcoins or whatever currency you’re using. Because of problems with proof of work, proof of stake has been proposed for use in Bitcoin, but the Bitcoin community is reluctant to introduce such a massive change into the ecosystem. </a:t>
             </a:r>
-            <a:endParaRPr lang="en-US" sz="1400" dirty="0" smtClean="0"/>
-          </a:p>
-          <a:p>
             <a:endParaRPr lang="en-US" sz="1400" dirty="0"/>
           </a:p>
           <a:p>
-            <a:r>
-              <a:rPr lang="en-US" sz="1400" dirty="0" smtClean="0"/>
+            <a:endParaRPr lang="en-US" sz="1400" dirty="0"/>
+          </a:p>
+          <a:p>
+            <a:r>
+              <a:rPr lang="en-US" sz="1400" dirty="0"/>
               <a:t>Proof </a:t>
             </a:r>
             <a:r>
@@ -5286,17 +5144,46 @@
       </p:sp>
       <p:sp>
         <p:nvSpPr>
-          <p:cNvPr id="3" name="Notes Placeholder 2"/>
-          <p:cNvSpPr>
-            <a:spLocks noGrp="1"/>
-          </p:cNvSpPr>
-          <p:nvPr>
-            <p:ph type="body" idx="1"/>
+          <p:cNvPr id="4" name="Slide Number Placeholder 3"/>
+          <p:cNvSpPr>
+            <a:spLocks noGrp="1"/>
+          </p:cNvSpPr>
+          <p:nvPr>
+            <p:ph type="sldNum" sz="quarter" idx="10"/>
           </p:nvPr>
         </p:nvSpPr>
         <p:spPr/>
         <p:txBody>
           <a:bodyPr/>
+          <a:lstStyle/>
+          <a:p>
+            <a:fld id="{AE28AEAF-8AED-4B17-803F-0A6D30FEC6E7}" type="slidenum">
+              <a:rPr lang="en-US" smtClean="0"/>
+              <a:t>49</a:t>
+            </a:fld>
+            <a:endParaRPr lang="en-US"/>
+          </a:p>
+        </p:txBody>
+      </p:sp>
+      <p:sp>
+        <p:nvSpPr>
+          <p:cNvPr id="5" name="Rectangle 4"/>
+          <p:cNvSpPr/>
+          <p:nvPr/>
+        </p:nvSpPr>
+        <p:spPr>
+          <a:xfrm>
+            <a:off x="707708" y="4573527"/>
+            <a:ext cx="5661660" cy="1716913"/>
+          </a:xfrm>
+          <a:prstGeom prst="rect">
+            <a:avLst/>
+          </a:prstGeom>
+        </p:spPr>
+        <p:txBody>
+          <a:bodyPr wrap="square" lIns="93936" tIns="46968" rIns="93936" bIns="46968">
+            <a:spAutoFit/>
+          </a:bodyPr>
           <a:lstStyle/>
           <a:p>
             <a:pPr>
@@ -5304,103 +5191,7 @@
                 <a:spcPct val="107000"/>
               </a:lnSpc>
               <a:spcAft>
-                <a:spcPts val="800"/>
-              </a:spcAft>
-            </a:pPr>
-            <a:r>
-              <a:rPr lang="en-US" dirty="0" smtClean="0">
-                <a:latin typeface="Calibri" panose="020F0502020204030204" pitchFamily="34" charset="0"/>
-                <a:ea typeface="Calibri" panose="020F0502020204030204" pitchFamily="34" charset="0"/>
-                <a:cs typeface="Times New Roman" panose="02020603050405020304" pitchFamily="18" charset="0"/>
-              </a:rPr>
-              <a:t>Let’s talk about proof of work. What is proof of work? In proof of work, the miner demonstrates that he or she has done a provable amount of computational work requiring substantial computer resources. </a:t>
-            </a:r>
-          </a:p>
-          <a:p>
-            <a:pPr>
-              <a:lnSpc>
-                <a:spcPct val="107000"/>
-              </a:lnSpc>
-              <a:spcAft>
-                <a:spcPts val="800"/>
-              </a:spcAft>
-            </a:pPr>
-            <a:r>
-              <a:rPr lang="en-US" dirty="0" smtClean="0">
-                <a:latin typeface="Calibri" panose="020F0502020204030204" pitchFamily="34" charset="0"/>
-                <a:ea typeface="Calibri" panose="020F0502020204030204" pitchFamily="34" charset="0"/>
-                <a:cs typeface="Times New Roman" panose="02020603050405020304" pitchFamily="18" charset="0"/>
-              </a:rPr>
-              <a:t>So there are two requirements. </a:t>
-            </a:r>
-            <a:endParaRPr lang="en-US" dirty="0" smtClean="0">
-              <a:effectLst/>
-              <a:latin typeface="Calibri" panose="020F0502020204030204" pitchFamily="34" charset="0"/>
-              <a:ea typeface="Calibri" panose="020F0502020204030204" pitchFamily="34" charset="0"/>
-              <a:cs typeface="Times New Roman" panose="02020603050405020304" pitchFamily="18" charset="0"/>
-            </a:endParaRPr>
-          </a:p>
-          <a:p>
-            <a:endParaRPr lang="en-US" i="1" dirty="0"/>
-          </a:p>
-          <a:p>
-            <a:r>
-              <a:rPr lang="en-US" dirty="0"/>
-              <a:t>     </a:t>
-            </a:r>
-          </a:p>
-        </p:txBody>
-      </p:sp>
-      <p:sp>
-        <p:nvSpPr>
-          <p:cNvPr id="4" name="Slide Number Placeholder 3"/>
-          <p:cNvSpPr>
-            <a:spLocks noGrp="1"/>
-          </p:cNvSpPr>
-          <p:nvPr>
-            <p:ph type="sldNum" sz="quarter" idx="10"/>
-          </p:nvPr>
-        </p:nvSpPr>
-        <p:spPr/>
-        <p:txBody>
-          <a:bodyPr/>
-          <a:lstStyle/>
-          <a:p>
-            <a:fld id="{AE28AEAF-8AED-4B17-803F-0A6D30FEC6E7}" type="slidenum">
-              <a:rPr lang="en-US" smtClean="0"/>
-              <a:t>49</a:t>
-            </a:fld>
-            <a:endParaRPr lang="en-US"/>
-          </a:p>
-        </p:txBody>
-      </p:sp>
-      <p:sp>
-        <p:nvSpPr>
-          <p:cNvPr id="5" name="Rectangle 4"/>
-          <p:cNvSpPr/>
-          <p:nvPr/>
-        </p:nvSpPr>
-        <p:spPr>
-          <a:xfrm>
-            <a:off x="685800" y="4755028"/>
-            <a:ext cx="5486400" cy="1676741"/>
-          </a:xfrm>
-          <a:prstGeom prst="rect">
-            <a:avLst/>
-          </a:prstGeom>
-        </p:spPr>
-        <p:txBody>
-          <a:bodyPr wrap="square">
-            <a:spAutoFit/>
-          </a:bodyPr>
-          <a:lstStyle/>
-          <a:p>
-            <a:pPr>
-              <a:lnSpc>
-                <a:spcPct val="107000"/>
-              </a:lnSpc>
-              <a:spcAft>
-                <a:spcPts val="800"/>
+                <a:spcPts val="822"/>
               </a:spcAft>
             </a:pPr>
             <a:r>
@@ -5418,7 +5209,7 @@
                 <a:spcPct val="107000"/>
               </a:lnSpc>
               <a:spcAft>
-                <a:spcPts val="800"/>
+                <a:spcPts val="822"/>
               </a:spcAft>
             </a:pPr>
             <a:r>
@@ -5492,8 +5283,8 @@
         </p:nvSpPr>
         <p:spPr>
           <a:xfrm>
-            <a:off x="685800" y="4400550"/>
-            <a:ext cx="5486400" cy="4540250"/>
+            <a:off x="707708" y="4505980"/>
+            <a:ext cx="5661660" cy="4649027"/>
           </a:xfrm>
         </p:spPr>
         <p:txBody>
@@ -5642,65 +5433,6 @@
       </p:sp>
       <p:sp>
         <p:nvSpPr>
-          <p:cNvPr id="3" name="Notes Placeholder 2"/>
-          <p:cNvSpPr>
-            <a:spLocks noGrp="1"/>
-          </p:cNvSpPr>
-          <p:nvPr>
-            <p:ph type="body" idx="1"/>
-          </p:nvPr>
-        </p:nvSpPr>
-        <p:spPr/>
-        <p:txBody>
-          <a:bodyPr/>
-          <a:lstStyle/>
-          <a:p>
-            <a:endParaRPr lang="en-US" i="1" dirty="0"/>
-          </a:p>
-          <a:p>
-            <a:pPr marL="0" marR="0" indent="0" algn="l" defTabSz="914400" rtl="0" eaLnBrk="1" fontAlgn="auto" latinLnBrk="0" hangingPunct="1">
-              <a:lnSpc>
-                <a:spcPct val="100000"/>
-              </a:lnSpc>
-              <a:spcBef>
-                <a:spcPts val="0"/>
-              </a:spcBef>
-              <a:spcAft>
-                <a:spcPts val="0"/>
-              </a:spcAft>
-              <a:buClrTx/>
-              <a:buSzTx/>
-              <a:buFontTx/>
-              <a:buNone/>
-              <a:tabLst/>
-              <a:defRPr/>
-            </a:pPr>
-            <a:r>
-              <a:rPr lang="en-US" dirty="0"/>
-              <a:t>     </a:t>
-            </a:r>
-            <a:r>
-              <a:rPr lang="en-US" dirty="0" smtClean="0">
-                <a:latin typeface="Calibri" panose="020F0502020204030204" pitchFamily="34" charset="0"/>
-                <a:ea typeface="Calibri" panose="020F0502020204030204" pitchFamily="34" charset="0"/>
-                <a:cs typeface="Times New Roman" panose="02020603050405020304" pitchFamily="18" charset="0"/>
-              </a:rPr>
-              <a:t>Proof of work must be “hard” in some quantifiable sense so that we know exactly how difficult the task is and, as we’ll discover, be able to adjust that difficulty. </a:t>
-            </a:r>
-            <a:endParaRPr lang="en-US" dirty="0" smtClean="0">
-              <a:effectLst/>
-              <a:latin typeface="Calibri" panose="020F0502020204030204" pitchFamily="34" charset="0"/>
-              <a:ea typeface="Calibri" panose="020F0502020204030204" pitchFamily="34" charset="0"/>
-              <a:cs typeface="Times New Roman" panose="02020603050405020304" pitchFamily="18" charset="0"/>
-            </a:endParaRPr>
-          </a:p>
-          <a:p>
-            <a:endParaRPr lang="en-US" dirty="0"/>
-          </a:p>
-        </p:txBody>
-      </p:sp>
-      <p:sp>
-        <p:nvSpPr>
           <p:cNvPr id="4" name="Slide Number Placeholder 3"/>
           <p:cNvSpPr>
             <a:spLocks noGrp="1"/>
@@ -5730,15 +5462,15 @@
         </p:nvSpPr>
         <p:spPr>
           <a:xfrm>
-            <a:off x="685799" y="4626626"/>
-            <a:ext cx="5381171" cy="981423"/>
+            <a:off x="707708" y="4504671"/>
+            <a:ext cx="5553070" cy="1004936"/>
           </a:xfrm>
           <a:prstGeom prst="rect">
             <a:avLst/>
           </a:prstGeom>
         </p:spPr>
         <p:txBody>
-          <a:bodyPr wrap="square">
+          <a:bodyPr wrap="square" lIns="93936" tIns="46968" rIns="93936" bIns="46968">
             <a:spAutoFit/>
           </a:bodyPr>
           <a:lstStyle/>
@@ -5748,7 +5480,7 @@
                 <a:spcPct val="107000"/>
               </a:lnSpc>
               <a:spcAft>
-                <a:spcPts val="800"/>
+                <a:spcPts val="822"/>
               </a:spcAft>
             </a:pPr>
             <a:r>
@@ -5812,64 +5544,6 @@
       </p:sp>
       <p:sp>
         <p:nvSpPr>
-          <p:cNvPr id="3" name="Notes Placeholder 2"/>
-          <p:cNvSpPr>
-            <a:spLocks noGrp="1"/>
-          </p:cNvSpPr>
-          <p:nvPr>
-            <p:ph type="body" idx="1"/>
-          </p:nvPr>
-        </p:nvSpPr>
-        <p:spPr/>
-        <p:txBody>
-          <a:bodyPr/>
-          <a:lstStyle/>
-          <a:p>
-            <a:pPr marL="0" marR="0" indent="0" algn="l" defTabSz="914400" rtl="0" eaLnBrk="1" fontAlgn="auto" latinLnBrk="0" hangingPunct="1">
-              <a:lnSpc>
-                <a:spcPct val="100000"/>
-              </a:lnSpc>
-              <a:spcBef>
-                <a:spcPts val="0"/>
-              </a:spcBef>
-              <a:spcAft>
-                <a:spcPts val="0"/>
-              </a:spcAft>
-              <a:buClrTx/>
-              <a:buSzTx/>
-              <a:buFontTx/>
-              <a:buNone/>
-              <a:tabLst/>
-              <a:defRPr/>
-            </a:pPr>
-            <a:r>
-              <a:rPr lang="en-US" dirty="0" smtClean="0">
-                <a:latin typeface="Calibri" panose="020F0502020204030204" pitchFamily="34" charset="0"/>
-                <a:ea typeface="Calibri" panose="020F0502020204030204" pitchFamily="34" charset="0"/>
-                <a:cs typeface="Times New Roman" panose="02020603050405020304" pitchFamily="18" charset="0"/>
-              </a:rPr>
-              <a:t>Secondly, the difficulty must be provable so that others can verify that you, the miner, did indeed do that amount of work.</a:t>
-            </a:r>
-            <a:endParaRPr lang="en-US" dirty="0" smtClean="0">
-              <a:effectLst/>
-              <a:latin typeface="Calibri" panose="020F0502020204030204" pitchFamily="34" charset="0"/>
-              <a:ea typeface="Calibri" panose="020F0502020204030204" pitchFamily="34" charset="0"/>
-              <a:cs typeface="Times New Roman" panose="02020603050405020304" pitchFamily="18" charset="0"/>
-            </a:endParaRPr>
-          </a:p>
-          <a:p>
-            <a:endParaRPr lang="en-US" i="1" dirty="0"/>
-          </a:p>
-          <a:p>
-            <a:r>
-              <a:rPr lang="en-US" dirty="0"/>
-              <a:t>     </a:t>
-            </a:r>
-          </a:p>
-        </p:txBody>
-      </p:sp>
-      <p:sp>
-        <p:nvSpPr>
           <p:cNvPr id="4" name="Slide Number Placeholder 3"/>
           <p:cNvSpPr>
             <a:spLocks noGrp="1"/>
@@ -5899,15 +5573,15 @@
         </p:nvSpPr>
         <p:spPr>
           <a:xfrm>
-            <a:off x="685800" y="4540478"/>
-            <a:ext cx="5486400" cy="981423"/>
+            <a:off x="707708" y="4551438"/>
+            <a:ext cx="5661660" cy="1004936"/>
           </a:xfrm>
           <a:prstGeom prst="rect">
             <a:avLst/>
           </a:prstGeom>
         </p:spPr>
         <p:txBody>
-          <a:bodyPr wrap="square">
+          <a:bodyPr wrap="square" lIns="93936" tIns="46968" rIns="93936" bIns="46968">
             <a:spAutoFit/>
           </a:bodyPr>
           <a:lstStyle/>
@@ -5917,7 +5591,7 @@
                 <a:spcPct val="107000"/>
               </a:lnSpc>
               <a:spcAft>
-                <a:spcPts val="800"/>
+                <a:spcPts val="822"/>
               </a:spcAft>
             </a:pPr>
             <a:r>
@@ -5981,17 +5655,46 @@
       </p:sp>
       <p:sp>
         <p:nvSpPr>
-          <p:cNvPr id="3" name="Notes Placeholder 2"/>
-          <p:cNvSpPr>
-            <a:spLocks noGrp="1"/>
-          </p:cNvSpPr>
-          <p:nvPr>
-            <p:ph type="body" idx="1"/>
+          <p:cNvPr id="4" name="Slide Number Placeholder 3"/>
+          <p:cNvSpPr>
+            <a:spLocks noGrp="1"/>
+          </p:cNvSpPr>
+          <p:nvPr>
+            <p:ph type="sldNum" sz="quarter" idx="10"/>
           </p:nvPr>
         </p:nvSpPr>
         <p:spPr/>
         <p:txBody>
           <a:bodyPr/>
+          <a:lstStyle/>
+          <a:p>
+            <a:fld id="{AE28AEAF-8AED-4B17-803F-0A6D30FEC6E7}" type="slidenum">
+              <a:rPr lang="en-US" smtClean="0"/>
+              <a:t>52</a:t>
+            </a:fld>
+            <a:endParaRPr lang="en-US"/>
+          </a:p>
+        </p:txBody>
+      </p:sp>
+      <p:sp>
+        <p:nvSpPr>
+          <p:cNvPr id="5" name="Rectangle 4"/>
+          <p:cNvSpPr/>
+          <p:nvPr/>
+        </p:nvSpPr>
+        <p:spPr>
+          <a:xfrm>
+            <a:off x="707708" y="4437315"/>
+            <a:ext cx="5661660" cy="1679261"/>
+          </a:xfrm>
+          <a:prstGeom prst="rect">
+            <a:avLst/>
+          </a:prstGeom>
+        </p:spPr>
+        <p:txBody>
+          <a:bodyPr wrap="square" lIns="93936" tIns="46968" rIns="93936" bIns="46968">
+            <a:spAutoFit/>
+          </a:bodyPr>
           <a:lstStyle/>
           <a:p>
             <a:pPr>
@@ -5999,103 +5702,7 @@
                 <a:spcPct val="107000"/>
               </a:lnSpc>
               <a:spcAft>
-                <a:spcPts val="800"/>
-              </a:spcAft>
-            </a:pPr>
-            <a:r>
-              <a:rPr lang="en-US" dirty="0" smtClean="0">
-                <a:latin typeface="Calibri" panose="020F0502020204030204" pitchFamily="34" charset="0"/>
-                <a:ea typeface="Calibri" panose="020F0502020204030204" pitchFamily="34" charset="0"/>
-                <a:cs typeface="Times New Roman" panose="02020603050405020304" pitchFamily="18" charset="0"/>
-              </a:rPr>
-              <a:t>WTF? Where are we going to find such a task? And what could it be? You might be completely confused by those last slides, as I was when first reading about proof of work.</a:t>
-            </a:r>
-          </a:p>
-          <a:p>
-            <a:pPr>
-              <a:lnSpc>
-                <a:spcPct val="107000"/>
-              </a:lnSpc>
-              <a:spcAft>
-                <a:spcPts val="800"/>
-              </a:spcAft>
-            </a:pPr>
-            <a:r>
-              <a:rPr lang="en-US" dirty="0" smtClean="0">
-                <a:latin typeface="Calibri" panose="020F0502020204030204" pitchFamily="34" charset="0"/>
-                <a:ea typeface="Calibri" panose="020F0502020204030204" pitchFamily="34" charset="0"/>
-                <a:cs typeface="Times New Roman" panose="02020603050405020304" pitchFamily="18" charset="0"/>
-              </a:rPr>
-              <a:t>As usual, though, in keeping with everything else in Bitcoin and the block chain, it is cryptography to the rescue.</a:t>
-            </a:r>
-            <a:endParaRPr lang="en-US" dirty="0" smtClean="0">
-              <a:effectLst/>
-              <a:latin typeface="Calibri" panose="020F0502020204030204" pitchFamily="34" charset="0"/>
-              <a:ea typeface="Calibri" panose="020F0502020204030204" pitchFamily="34" charset="0"/>
-              <a:cs typeface="Times New Roman" panose="02020603050405020304" pitchFamily="18" charset="0"/>
-            </a:endParaRPr>
-          </a:p>
-          <a:p>
-            <a:endParaRPr lang="en-US" i="1" dirty="0"/>
-          </a:p>
-          <a:p>
-            <a:r>
-              <a:rPr lang="en-US" dirty="0"/>
-              <a:t>     </a:t>
-            </a:r>
-          </a:p>
-        </p:txBody>
-      </p:sp>
-      <p:sp>
-        <p:nvSpPr>
-          <p:cNvPr id="4" name="Slide Number Placeholder 3"/>
-          <p:cNvSpPr>
-            <a:spLocks noGrp="1"/>
-          </p:cNvSpPr>
-          <p:nvPr>
-            <p:ph type="sldNum" sz="quarter" idx="10"/>
-          </p:nvPr>
-        </p:nvSpPr>
-        <p:spPr/>
-        <p:txBody>
-          <a:bodyPr/>
-          <a:lstStyle/>
-          <a:p>
-            <a:fld id="{AE28AEAF-8AED-4B17-803F-0A6D30FEC6E7}" type="slidenum">
-              <a:rPr lang="en-US" smtClean="0"/>
-              <a:t>52</a:t>
-            </a:fld>
-            <a:endParaRPr lang="en-US"/>
-          </a:p>
-        </p:txBody>
-      </p:sp>
-      <p:sp>
-        <p:nvSpPr>
-          <p:cNvPr id="5" name="Rectangle 4"/>
-          <p:cNvSpPr/>
-          <p:nvPr/>
-        </p:nvSpPr>
-        <p:spPr>
-          <a:xfrm>
-            <a:off x="685800" y="4400550"/>
-            <a:ext cx="5486400" cy="2269467"/>
-          </a:xfrm>
-          <a:prstGeom prst="rect">
-            <a:avLst/>
-          </a:prstGeom>
-        </p:spPr>
-        <p:txBody>
-          <a:bodyPr wrap="square">
-            <a:spAutoFit/>
-          </a:bodyPr>
-          <a:lstStyle/>
-          <a:p>
-            <a:pPr>
-              <a:lnSpc>
-                <a:spcPct val="107000"/>
-              </a:lnSpc>
-              <a:spcAft>
-                <a:spcPts val="800"/>
+                <a:spcPts val="822"/>
               </a:spcAft>
             </a:pPr>
             <a:r>
@@ -6113,7 +5720,7 @@
                 <a:spcPct val="107000"/>
               </a:lnSpc>
               <a:spcAft>
-                <a:spcPts val="800"/>
+                <a:spcPts val="822"/>
               </a:spcAft>
             </a:pPr>
             <a:r>
@@ -6177,64 +5784,6 @@
       </p:sp>
       <p:sp>
         <p:nvSpPr>
-          <p:cNvPr id="3" name="Notes Placeholder 2"/>
-          <p:cNvSpPr>
-            <a:spLocks noGrp="1"/>
-          </p:cNvSpPr>
-          <p:nvPr>
-            <p:ph type="body" idx="1"/>
-          </p:nvPr>
-        </p:nvSpPr>
-        <p:spPr/>
-        <p:txBody>
-          <a:bodyPr/>
-          <a:lstStyle/>
-          <a:p>
-            <a:pPr marL="0" marR="0" indent="0" algn="l" defTabSz="914400" rtl="0" eaLnBrk="1" fontAlgn="auto" latinLnBrk="0" hangingPunct="1">
-              <a:lnSpc>
-                <a:spcPct val="100000"/>
-              </a:lnSpc>
-              <a:spcBef>
-                <a:spcPts val="0"/>
-              </a:spcBef>
-              <a:spcAft>
-                <a:spcPts val="0"/>
-              </a:spcAft>
-              <a:buClrTx/>
-              <a:buSzTx/>
-              <a:buFontTx/>
-              <a:buNone/>
-              <a:tabLst/>
-              <a:defRPr/>
-            </a:pPr>
-            <a:r>
-              <a:rPr lang="en-US" dirty="0" smtClean="0">
-                <a:latin typeface="Calibri" panose="020F0502020204030204" pitchFamily="34" charset="0"/>
-                <a:ea typeface="Calibri" panose="020F0502020204030204" pitchFamily="34" charset="0"/>
-                <a:cs typeface="Times New Roman" panose="02020603050405020304" pitchFamily="18" charset="0"/>
-              </a:rPr>
-              <a:t>The proof of work chosen for the Bitcoin block chain is to solve a cryptographically difficult puzzle. If you’ve read anything about cryptography, you know that cryptographers like to play games and solve puzzles. </a:t>
-            </a:r>
-            <a:endParaRPr lang="en-US" dirty="0" smtClean="0">
-              <a:effectLst/>
-              <a:latin typeface="Calibri" panose="020F0502020204030204" pitchFamily="34" charset="0"/>
-              <a:ea typeface="Calibri" panose="020F0502020204030204" pitchFamily="34" charset="0"/>
-              <a:cs typeface="Times New Roman" panose="02020603050405020304" pitchFamily="18" charset="0"/>
-            </a:endParaRPr>
-          </a:p>
-          <a:p>
-            <a:endParaRPr lang="en-US" i="1" dirty="0"/>
-          </a:p>
-          <a:p>
-            <a:r>
-              <a:rPr lang="en-US" dirty="0"/>
-              <a:t>     </a:t>
-            </a:r>
-          </a:p>
-        </p:txBody>
-      </p:sp>
-      <p:sp>
-        <p:nvSpPr>
           <p:cNvPr id="4" name="Slide Number Placeholder 3"/>
           <p:cNvSpPr>
             <a:spLocks noGrp="1"/>
@@ -6264,15 +5813,15 @@
         </p:nvSpPr>
         <p:spPr>
           <a:xfrm>
-            <a:off x="685800" y="4577135"/>
-            <a:ext cx="5486400" cy="1277786"/>
+            <a:off x="707708" y="4555856"/>
+            <a:ext cx="5661660" cy="1308400"/>
           </a:xfrm>
           <a:prstGeom prst="rect">
             <a:avLst/>
           </a:prstGeom>
         </p:spPr>
         <p:txBody>
-          <a:bodyPr wrap="square">
+          <a:bodyPr wrap="square" lIns="93936" tIns="46968" rIns="93936" bIns="46968">
             <a:spAutoFit/>
           </a:bodyPr>
           <a:lstStyle/>
@@ -6282,7 +5831,7 @@
                 <a:spcPct val="107000"/>
               </a:lnSpc>
               <a:spcAft>
-                <a:spcPts val="800"/>
+                <a:spcPts val="822"/>
               </a:spcAft>
             </a:pPr>
             <a:r>
@@ -6346,65 +5895,6 @@
       </p:sp>
       <p:sp>
         <p:nvSpPr>
-          <p:cNvPr id="3" name="Notes Placeholder 2"/>
-          <p:cNvSpPr>
-            <a:spLocks noGrp="1"/>
-          </p:cNvSpPr>
-          <p:nvPr>
-            <p:ph type="body" idx="1"/>
-          </p:nvPr>
-        </p:nvSpPr>
-        <p:spPr/>
-        <p:txBody>
-          <a:bodyPr/>
-          <a:lstStyle/>
-          <a:p>
-            <a:endParaRPr lang="en-US" i="1" dirty="0"/>
-          </a:p>
-          <a:p>
-            <a:pPr marL="0" marR="0" indent="0" algn="l" defTabSz="914400" rtl="0" eaLnBrk="1" fontAlgn="auto" latinLnBrk="0" hangingPunct="1">
-              <a:lnSpc>
-                <a:spcPct val="100000"/>
-              </a:lnSpc>
-              <a:spcBef>
-                <a:spcPts val="0"/>
-              </a:spcBef>
-              <a:spcAft>
-                <a:spcPts val="0"/>
-              </a:spcAft>
-              <a:buClrTx/>
-              <a:buSzTx/>
-              <a:buFontTx/>
-              <a:buNone/>
-              <a:tabLst/>
-              <a:defRPr/>
-            </a:pPr>
-            <a:r>
-              <a:rPr lang="en-US" dirty="0"/>
-              <a:t>     </a:t>
-            </a:r>
-            <a:r>
-              <a:rPr lang="en-US" dirty="0" smtClean="0">
-                <a:latin typeface="Calibri" panose="020F0502020204030204" pitchFamily="34" charset="0"/>
-                <a:ea typeface="Calibri" panose="020F0502020204030204" pitchFamily="34" charset="0"/>
-                <a:cs typeface="Times New Roman" panose="02020603050405020304" pitchFamily="18" charset="0"/>
-              </a:rPr>
-              <a:t>Not only must the puzzle be difficult, we must be able to adjust the difficulty. </a:t>
-            </a:r>
-            <a:endParaRPr lang="en-US" dirty="0" smtClean="0">
-              <a:effectLst/>
-              <a:latin typeface="Calibri" panose="020F0502020204030204" pitchFamily="34" charset="0"/>
-              <a:ea typeface="Calibri" panose="020F0502020204030204" pitchFamily="34" charset="0"/>
-              <a:cs typeface="Times New Roman" panose="02020603050405020304" pitchFamily="18" charset="0"/>
-            </a:endParaRPr>
-          </a:p>
-          <a:p>
-            <a:endParaRPr lang="en-US" dirty="0"/>
-          </a:p>
-        </p:txBody>
-      </p:sp>
-      <p:sp>
-        <p:nvSpPr>
           <p:cNvPr id="4" name="Slide Number Placeholder 3"/>
           <p:cNvSpPr>
             <a:spLocks noGrp="1"/>
@@ -6434,15 +5924,15 @@
         </p:nvSpPr>
         <p:spPr>
           <a:xfrm>
-            <a:off x="685800" y="4676374"/>
-            <a:ext cx="5486400" cy="685059"/>
+            <a:off x="707708" y="4443041"/>
+            <a:ext cx="5661660" cy="701472"/>
           </a:xfrm>
           <a:prstGeom prst="rect">
             <a:avLst/>
           </a:prstGeom>
         </p:spPr>
         <p:txBody>
-          <a:bodyPr wrap="square">
+          <a:bodyPr wrap="square" lIns="93936" tIns="46968" rIns="93936" bIns="46968">
             <a:spAutoFit/>
           </a:bodyPr>
           <a:lstStyle/>
@@ -6452,7 +5942,7 @@
                 <a:spcPct val="107000"/>
               </a:lnSpc>
               <a:spcAft>
-                <a:spcPts val="800"/>
+                <a:spcPts val="822"/>
               </a:spcAft>
             </a:pPr>
             <a:r>
@@ -6516,17 +6006,46 @@
       </p:sp>
       <p:sp>
         <p:nvSpPr>
-          <p:cNvPr id="3" name="Notes Placeholder 2"/>
-          <p:cNvSpPr>
-            <a:spLocks noGrp="1"/>
-          </p:cNvSpPr>
-          <p:nvPr>
-            <p:ph type="body" idx="1"/>
+          <p:cNvPr id="4" name="Slide Number Placeholder 3"/>
+          <p:cNvSpPr>
+            <a:spLocks noGrp="1"/>
+          </p:cNvSpPr>
+          <p:nvPr>
+            <p:ph type="sldNum" sz="quarter" idx="10"/>
           </p:nvPr>
         </p:nvSpPr>
         <p:spPr/>
         <p:txBody>
           <a:bodyPr/>
+          <a:lstStyle/>
+          <a:p>
+            <a:fld id="{AE28AEAF-8AED-4B17-803F-0A6D30FEC6E7}" type="slidenum">
+              <a:rPr lang="en-US" smtClean="0"/>
+              <a:t>55</a:t>
+            </a:fld>
+            <a:endParaRPr lang="en-US"/>
+          </a:p>
+        </p:txBody>
+      </p:sp>
+      <p:sp>
+        <p:nvSpPr>
+          <p:cNvPr id="5" name="Rectangle 4"/>
+          <p:cNvSpPr/>
+          <p:nvPr/>
+        </p:nvSpPr>
+        <p:spPr>
+          <a:xfrm>
+            <a:off x="707708" y="4330422"/>
+            <a:ext cx="5661660" cy="3663138"/>
+          </a:xfrm>
+          <a:prstGeom prst="rect">
+            <a:avLst/>
+          </a:prstGeom>
+        </p:spPr>
+        <p:txBody>
+          <a:bodyPr wrap="square" lIns="93936" tIns="46968" rIns="93936" bIns="46968">
+            <a:spAutoFit/>
+          </a:bodyPr>
           <a:lstStyle/>
           <a:p>
             <a:pPr>
@@ -6534,139 +6053,7 @@
                 <a:spcPct val="107000"/>
               </a:lnSpc>
               <a:spcAft>
-                <a:spcPts val="800"/>
-              </a:spcAft>
-            </a:pPr>
-            <a:r>
-              <a:rPr lang="en-US" sz="1200" dirty="0" smtClean="0">
-                <a:latin typeface="Calibri" panose="020F0502020204030204" pitchFamily="34" charset="0"/>
-                <a:ea typeface="Calibri" panose="020F0502020204030204" pitchFamily="34" charset="0"/>
-                <a:cs typeface="Times New Roman" panose="02020603050405020304" pitchFamily="18" charset="0"/>
-              </a:rPr>
-              <a:t>The reason for this is that the goal of the Bitcoin protocol is to mine a block, on average, every 10 minutes. This is a probabilistic average, so the difficulty must be adjusted periodically. That period is two weeks in the case of Bitcoin. The Bitcoin node software contains code that, every two weeks, will compute the average mining time for the last 2015 blocks and adjusts the difficulty of the mining puzzle up or down accordingly. Up if the average is less than 10 minutes, down if it is more than 10 minutes.</a:t>
-            </a:r>
-          </a:p>
-          <a:p>
-            <a:pPr>
-              <a:lnSpc>
-                <a:spcPct val="107000"/>
-              </a:lnSpc>
-              <a:spcAft>
-                <a:spcPts val="800"/>
-              </a:spcAft>
-            </a:pPr>
-            <a:r>
-              <a:rPr lang="en-US" sz="1200" dirty="0" smtClean="0">
-                <a:latin typeface="Calibri" panose="020F0502020204030204" pitchFamily="34" charset="0"/>
-                <a:ea typeface="Calibri" panose="020F0502020204030204" pitchFamily="34" charset="0"/>
-                <a:cs typeface="Times New Roman" panose="02020603050405020304" pitchFamily="18" charset="0"/>
-              </a:rPr>
-              <a:t>Some astute number theorist out there has seen something amiss. Why 2015? Everyone knows that there are 20160 minutes in a fortnight. Dividing 20160 by 10 gives 2016 blocks, so the average should be taken on the last 2016 blocks instead of 2015. </a:t>
-            </a:r>
-          </a:p>
-          <a:p>
-            <a:pPr>
-              <a:lnSpc>
-                <a:spcPct val="107000"/>
-              </a:lnSpc>
-              <a:spcAft>
-                <a:spcPts val="800"/>
-              </a:spcAft>
-            </a:pPr>
-            <a:r>
-              <a:rPr lang="en-US" sz="1200" dirty="0" smtClean="0">
-                <a:latin typeface="Calibri" panose="020F0502020204030204" pitchFamily="34" charset="0"/>
-                <a:ea typeface="Calibri" panose="020F0502020204030204" pitchFamily="34" charset="0"/>
-                <a:cs typeface="Times New Roman" panose="02020603050405020304" pitchFamily="18" charset="0"/>
-              </a:rPr>
-              <a:t>Yeah, about that. There’s an off-by-one error in the code that has been there since day 1. Fixing it would cause a hard fork in Bitcoin Block Chain, and the core developers will throw their grandmother in front of a train before they approve a hard fork in the Block Chain.</a:t>
-            </a:r>
-          </a:p>
-          <a:p>
-            <a:pPr>
-              <a:lnSpc>
-                <a:spcPct val="107000"/>
-              </a:lnSpc>
-              <a:spcAft>
-                <a:spcPts val="800"/>
-              </a:spcAft>
-            </a:pPr>
-            <a:r>
-              <a:rPr lang="en-US" sz="1200" dirty="0" smtClean="0">
-                <a:latin typeface="Calibri" panose="020F0502020204030204" pitchFamily="34" charset="0"/>
-                <a:ea typeface="Calibri" panose="020F0502020204030204" pitchFamily="34" charset="0"/>
-                <a:cs typeface="Times New Roman" panose="02020603050405020304" pitchFamily="18" charset="0"/>
-              </a:rPr>
-              <a:t>In a nutshell, a hard fork is when a Bitcoin core update causes those nodes with the new software to accept blocks that nodes without the update will reject. Since there will be a period of time before the majority of nodes update, and there’s a possibility that a majority of nodes will never update, some blocks will never be accepted. Theoretically the transactions will all be mined eventually, but it’s that eventually that bothers them. When you accept Bitcoin for your car, you want to be paid somewhere close to right now and not hours, days, or weeks from now.</a:t>
-            </a:r>
-            <a:endParaRPr lang="en-US" sz="1200" dirty="0" smtClean="0">
-              <a:effectLst/>
-              <a:latin typeface="Calibri" panose="020F0502020204030204" pitchFamily="34" charset="0"/>
-              <a:ea typeface="Calibri" panose="020F0502020204030204" pitchFamily="34" charset="0"/>
-              <a:cs typeface="Times New Roman" panose="02020603050405020304" pitchFamily="18" charset="0"/>
-            </a:endParaRPr>
-          </a:p>
-          <a:p>
-            <a:endParaRPr lang="en-US" i="1" dirty="0"/>
-          </a:p>
-          <a:p>
-            <a:r>
-              <a:rPr lang="en-US" dirty="0"/>
-              <a:t>     </a:t>
-            </a:r>
-          </a:p>
-        </p:txBody>
-      </p:sp>
-      <p:sp>
-        <p:nvSpPr>
-          <p:cNvPr id="4" name="Slide Number Placeholder 3"/>
-          <p:cNvSpPr>
-            <a:spLocks noGrp="1"/>
-          </p:cNvSpPr>
-          <p:nvPr>
-            <p:ph type="sldNum" sz="quarter" idx="10"/>
-          </p:nvPr>
-        </p:nvSpPr>
-        <p:spPr/>
-        <p:txBody>
-          <a:bodyPr/>
-          <a:lstStyle/>
-          <a:p>
-            <a:fld id="{AE28AEAF-8AED-4B17-803F-0A6D30FEC6E7}" type="slidenum">
-              <a:rPr lang="en-US" smtClean="0"/>
-              <a:t>55</a:t>
-            </a:fld>
-            <a:endParaRPr lang="en-US"/>
-          </a:p>
-        </p:txBody>
-      </p:sp>
-      <p:sp>
-        <p:nvSpPr>
-          <p:cNvPr id="5" name="Rectangle 4"/>
-          <p:cNvSpPr/>
-          <p:nvPr/>
-        </p:nvSpPr>
-        <p:spPr>
-          <a:xfrm>
-            <a:off x="685800" y="4405010"/>
-            <a:ext cx="5486400" cy="3833742"/>
-          </a:xfrm>
-          <a:prstGeom prst="rect">
-            <a:avLst/>
-          </a:prstGeom>
-        </p:spPr>
-        <p:txBody>
-          <a:bodyPr wrap="square">
-            <a:spAutoFit/>
-          </a:bodyPr>
-          <a:lstStyle/>
-          <a:p>
-            <a:pPr>
-              <a:lnSpc>
-                <a:spcPct val="107000"/>
-              </a:lnSpc>
-              <a:spcAft>
-                <a:spcPts val="800"/>
+                <a:spcPts val="822"/>
               </a:spcAft>
             </a:pPr>
             <a:r>
@@ -6684,7 +6071,7 @@
                 <a:spcPct val="107000"/>
               </a:lnSpc>
               <a:spcAft>
-                <a:spcPts val="800"/>
+                <a:spcPts val="822"/>
               </a:spcAft>
             </a:pPr>
             <a:r>
@@ -6702,7 +6089,7 @@
                 <a:spcPct val="107000"/>
               </a:lnSpc>
               <a:spcAft>
-                <a:spcPts val="800"/>
+                <a:spcPts val="822"/>
               </a:spcAft>
             </a:pPr>
             <a:r>
@@ -6720,7 +6107,7 @@
                 <a:spcPct val="107000"/>
               </a:lnSpc>
               <a:spcAft>
-                <a:spcPts val="800"/>
+                <a:spcPts val="822"/>
               </a:spcAft>
             </a:pPr>
             <a:r>
@@ -6731,12 +6118,6 @@
               </a:rPr>
               <a:t>In a nutshell, a hard fork is when a Bitcoin core update causes those nodes with the new software to accept blocks that nodes without the update will reject. Since there will be a period of time before the majority of nodes update, and there’s a possibility that a majority of nodes will never update, some blocks will never be accepted. Theoretically the transactions will all be mined eventually, but it’s that eventually that bothers them. When you accept Bitcoin for your car, you want to be paid somewhere close to right now and not hours, days, or weeks from now.</a:t>
             </a:r>
-            <a:endParaRPr lang="en-US" sz="1100" dirty="0">
-              <a:effectLst/>
-              <a:latin typeface="Calibri" panose="020F0502020204030204" pitchFamily="34" charset="0"/>
-              <a:ea typeface="Calibri" panose="020F0502020204030204" pitchFamily="34" charset="0"/>
-              <a:cs typeface="Times New Roman" panose="02020603050405020304" pitchFamily="18" charset="0"/>
-            </a:endParaRPr>
           </a:p>
         </p:txBody>
       </p:sp>
@@ -6784,64 +6165,6 @@
       </p:sp>
       <p:sp>
         <p:nvSpPr>
-          <p:cNvPr id="3" name="Notes Placeholder 2"/>
-          <p:cNvSpPr>
-            <a:spLocks noGrp="1"/>
-          </p:cNvSpPr>
-          <p:nvPr>
-            <p:ph type="body" idx="1"/>
-          </p:nvPr>
-        </p:nvSpPr>
-        <p:spPr/>
-        <p:txBody>
-          <a:bodyPr/>
-          <a:lstStyle/>
-          <a:p>
-            <a:pPr marL="0" marR="0" indent="0" algn="l" defTabSz="914400" rtl="0" eaLnBrk="1" fontAlgn="auto" latinLnBrk="0" hangingPunct="1">
-              <a:lnSpc>
-                <a:spcPct val="100000"/>
-              </a:lnSpc>
-              <a:spcBef>
-                <a:spcPts val="0"/>
-              </a:spcBef>
-              <a:spcAft>
-                <a:spcPts val="0"/>
-              </a:spcAft>
-              <a:buClrTx/>
-              <a:buSzTx/>
-              <a:buFontTx/>
-              <a:buNone/>
-              <a:tabLst/>
-              <a:defRPr/>
-            </a:pPr>
-            <a:r>
-              <a:rPr lang="en-US" dirty="0" smtClean="0">
-                <a:latin typeface="Calibri" panose="020F0502020204030204" pitchFamily="34" charset="0"/>
-                <a:ea typeface="Calibri" panose="020F0502020204030204" pitchFamily="34" charset="0"/>
-                <a:cs typeface="Times New Roman" panose="02020603050405020304" pitchFamily="18" charset="0"/>
-              </a:rPr>
-              <a:t>So what’s a good puzzle to solve? Before we can understand the puzzle that the Bitcoin Block Chain uses, I’ll need to take a brief excursion back into nature of cryptographic hash functions.</a:t>
-            </a:r>
-            <a:endParaRPr lang="en-US" dirty="0" smtClean="0">
-              <a:effectLst/>
-              <a:latin typeface="Calibri" panose="020F0502020204030204" pitchFamily="34" charset="0"/>
-              <a:ea typeface="Calibri" panose="020F0502020204030204" pitchFamily="34" charset="0"/>
-              <a:cs typeface="Times New Roman" panose="02020603050405020304" pitchFamily="18" charset="0"/>
-            </a:endParaRPr>
-          </a:p>
-          <a:p>
-            <a:endParaRPr lang="en-US" i="1" dirty="0"/>
-          </a:p>
-          <a:p>
-            <a:r>
-              <a:rPr lang="en-US" dirty="0"/>
-              <a:t>     </a:t>
-            </a:r>
-          </a:p>
-        </p:txBody>
-      </p:sp>
-      <p:sp>
-        <p:nvSpPr>
           <p:cNvPr id="4" name="Slide Number Placeholder 3"/>
           <p:cNvSpPr>
             <a:spLocks noGrp="1"/>
@@ -6871,15 +6194,15 @@
         </p:nvSpPr>
         <p:spPr>
           <a:xfrm>
-            <a:off x="685800" y="4586645"/>
-            <a:ext cx="5486400" cy="1277786"/>
+            <a:off x="707708" y="4649259"/>
+            <a:ext cx="5661660" cy="1308400"/>
           </a:xfrm>
           <a:prstGeom prst="rect">
             <a:avLst/>
           </a:prstGeom>
         </p:spPr>
         <p:txBody>
-          <a:bodyPr wrap="square">
+          <a:bodyPr wrap="square" lIns="93936" tIns="46968" rIns="93936" bIns="46968">
             <a:spAutoFit/>
           </a:bodyPr>
           <a:lstStyle/>
@@ -6889,7 +6212,7 @@
                 <a:spcPct val="107000"/>
               </a:lnSpc>
               <a:spcAft>
-                <a:spcPts val="800"/>
+                <a:spcPts val="822"/>
               </a:spcAft>
             </a:pPr>
             <a:r>
@@ -6953,64 +6276,6 @@
       </p:sp>
       <p:sp>
         <p:nvSpPr>
-          <p:cNvPr id="3" name="Notes Placeholder 2"/>
-          <p:cNvSpPr>
-            <a:spLocks noGrp="1"/>
-          </p:cNvSpPr>
-          <p:nvPr>
-            <p:ph type="body" idx="1"/>
-          </p:nvPr>
-        </p:nvSpPr>
-        <p:spPr/>
-        <p:txBody>
-          <a:bodyPr/>
-          <a:lstStyle/>
-          <a:p>
-            <a:pPr marL="0" marR="0" indent="0" algn="l" defTabSz="914400" rtl="0" eaLnBrk="1" fontAlgn="auto" latinLnBrk="0" hangingPunct="1">
-              <a:lnSpc>
-                <a:spcPct val="100000"/>
-              </a:lnSpc>
-              <a:spcBef>
-                <a:spcPts val="0"/>
-              </a:spcBef>
-              <a:spcAft>
-                <a:spcPts val="0"/>
-              </a:spcAft>
-              <a:buClrTx/>
-              <a:buSzTx/>
-              <a:buFontTx/>
-              <a:buNone/>
-              <a:tabLst/>
-              <a:defRPr/>
-            </a:pPr>
-            <a:r>
-              <a:rPr lang="en-US" dirty="0" smtClean="0">
-                <a:latin typeface="Calibri" panose="020F0502020204030204" pitchFamily="34" charset="0"/>
-                <a:ea typeface="Calibri" panose="020F0502020204030204" pitchFamily="34" charset="0"/>
-                <a:cs typeface="Times New Roman" panose="02020603050405020304" pitchFamily="18" charset="0"/>
-              </a:rPr>
-              <a:t>First let’s discuss hash functions in general. You are all familiar with hashing, so I won’t belabor the point. A hash function takes an arbitrary length string and maps it into a fixed size output. In other words, a hash takes a string from an infinite set and maps it into a finite set. Also, the running time of the hash function must be proportional to the length of the string, or O(n).</a:t>
-            </a:r>
-            <a:endParaRPr lang="en-US" dirty="0" smtClean="0">
-              <a:effectLst/>
-              <a:latin typeface="Calibri" panose="020F0502020204030204" pitchFamily="34" charset="0"/>
-              <a:ea typeface="Calibri" panose="020F0502020204030204" pitchFamily="34" charset="0"/>
-              <a:cs typeface="Times New Roman" panose="02020603050405020304" pitchFamily="18" charset="0"/>
-            </a:endParaRPr>
-          </a:p>
-          <a:p>
-            <a:endParaRPr lang="en-US" i="1" dirty="0"/>
-          </a:p>
-          <a:p>
-            <a:r>
-              <a:rPr lang="en-US" dirty="0"/>
-              <a:t>     </a:t>
-            </a:r>
-          </a:p>
-        </p:txBody>
-      </p:sp>
-      <p:sp>
-        <p:nvSpPr>
           <p:cNvPr id="4" name="Slide Number Placeholder 3"/>
           <p:cNvSpPr>
             <a:spLocks noGrp="1"/>
@@ -7040,15 +6305,15 @@
         </p:nvSpPr>
         <p:spPr>
           <a:xfrm>
-            <a:off x="685800" y="4523759"/>
-            <a:ext cx="5486400" cy="2166875"/>
+            <a:off x="707708" y="4540618"/>
+            <a:ext cx="5661660" cy="2218790"/>
           </a:xfrm>
           <a:prstGeom prst="rect">
             <a:avLst/>
           </a:prstGeom>
         </p:spPr>
         <p:txBody>
-          <a:bodyPr wrap="square">
+          <a:bodyPr wrap="square" lIns="93936" tIns="46968" rIns="93936" bIns="46968">
             <a:spAutoFit/>
           </a:bodyPr>
           <a:lstStyle/>
@@ -7058,7 +6323,7 @@
                 <a:spcPct val="107000"/>
               </a:lnSpc>
               <a:spcAft>
-                <a:spcPts val="800"/>
+                <a:spcPts val="822"/>
               </a:spcAft>
             </a:pPr>
             <a:r>
@@ -7075,6 +6340,25 @@
               <a:ea typeface="Calibri" panose="020F0502020204030204" pitchFamily="34" charset="0"/>
               <a:cs typeface="Times New Roman" panose="02020603050405020304" pitchFamily="18" charset="0"/>
             </a:endParaRPr>
+          </a:p>
+        </p:txBody>
+      </p:sp>
+      <p:sp>
+        <p:nvSpPr>
+          <p:cNvPr id="6" name="Notes Placeholder 5"/>
+          <p:cNvSpPr>
+            <a:spLocks noGrp="1"/>
+          </p:cNvSpPr>
+          <p:nvPr>
+            <p:ph type="body" sz="quarter" idx="11"/>
+          </p:nvPr>
+        </p:nvSpPr>
+        <p:spPr/>
+        <p:txBody>
+          <a:bodyPr/>
+          <a:lstStyle/>
+          <a:p>
+            <a:endParaRPr lang="en-US" dirty="0"/>
           </a:p>
         </p:txBody>
       </p:sp>
@@ -7122,17 +6406,46 @@
       </p:sp>
       <p:sp>
         <p:nvSpPr>
-          <p:cNvPr id="3" name="Notes Placeholder 2"/>
-          <p:cNvSpPr>
-            <a:spLocks noGrp="1"/>
-          </p:cNvSpPr>
-          <p:nvPr>
-            <p:ph type="body" idx="1"/>
+          <p:cNvPr id="4" name="Slide Number Placeholder 3"/>
+          <p:cNvSpPr>
+            <a:spLocks noGrp="1"/>
+          </p:cNvSpPr>
+          <p:nvPr>
+            <p:ph type="sldNum" sz="quarter" idx="10"/>
           </p:nvPr>
         </p:nvSpPr>
         <p:spPr/>
         <p:txBody>
           <a:bodyPr/>
+          <a:lstStyle/>
+          <a:p>
+            <a:fld id="{AE28AEAF-8AED-4B17-803F-0A6D30FEC6E7}" type="slidenum">
+              <a:rPr lang="en-US" smtClean="0"/>
+              <a:t>58</a:t>
+            </a:fld>
+            <a:endParaRPr lang="en-US"/>
+          </a:p>
+        </p:txBody>
+      </p:sp>
+      <p:sp>
+        <p:nvSpPr>
+          <p:cNvPr id="5" name="Rectangle 4"/>
+          <p:cNvSpPr/>
+          <p:nvPr/>
+        </p:nvSpPr>
+        <p:spPr>
+          <a:xfrm>
+            <a:off x="707708" y="4457156"/>
+            <a:ext cx="5661660" cy="3504079"/>
+          </a:xfrm>
+          <a:prstGeom prst="rect">
+            <a:avLst/>
+          </a:prstGeom>
+        </p:spPr>
+        <p:txBody>
+          <a:bodyPr wrap="square" lIns="93936" tIns="46968" rIns="93936" bIns="46968">
+            <a:spAutoFit/>
+          </a:bodyPr>
           <a:lstStyle/>
           <a:p>
             <a:pPr>
@@ -7140,119 +6453,7 @@
                 <a:spcPct val="107000"/>
               </a:lnSpc>
               <a:spcAft>
-                <a:spcPts val="800"/>
-              </a:spcAft>
-            </a:pPr>
-            <a:r>
-              <a:rPr lang="en-US" sz="1200" dirty="0" smtClean="0">
-                <a:latin typeface="Calibri" panose="020F0502020204030204" pitchFamily="34" charset="0"/>
-                <a:ea typeface="Calibri" panose="020F0502020204030204" pitchFamily="34" charset="0"/>
-                <a:cs typeface="Times New Roman" panose="02020603050405020304" pitchFamily="18" charset="0"/>
-              </a:rPr>
-              <a:t>A cryptographic hash function has three additional requirements. First it must be collision-resistant. Of course, we like any hash function to minimize collisions, but for a hash function to be used in cryptography, it must be REALLY collision resistant. Formally this property says that it is infeasible to find two values, x and y, such that x &lt;&gt; y and H(x) = H(y). In other words, there is such a small probability that you can find two inputs that are different that hash to the same out put, that we can safely consider it impossible.</a:t>
-            </a:r>
-          </a:p>
-          <a:p>
-            <a:pPr>
-              <a:lnSpc>
-                <a:spcPct val="107000"/>
-              </a:lnSpc>
-              <a:spcAft>
-                <a:spcPts val="800"/>
-              </a:spcAft>
-            </a:pPr>
-            <a:r>
-              <a:rPr lang="en-US" sz="1200" dirty="0" smtClean="0">
-                <a:latin typeface="Calibri" panose="020F0502020204030204" pitchFamily="34" charset="0"/>
-                <a:ea typeface="Calibri" panose="020F0502020204030204" pitchFamily="34" charset="0"/>
-                <a:cs typeface="Times New Roman" panose="02020603050405020304" pitchFamily="18" charset="0"/>
-              </a:rPr>
-              <a:t>Of course it’s not impossible. Why? Because the range of possible inputs is an infinite set and the range of possible outputs is a finite set. Very large in the case of Bitcoin, 2</a:t>
-            </a:r>
-            <a:r>
-              <a:rPr lang="en-US" sz="1200" baseline="30000" dirty="0" smtClean="0">
-                <a:latin typeface="Calibri" panose="020F0502020204030204" pitchFamily="34" charset="0"/>
-                <a:ea typeface="Calibri" panose="020F0502020204030204" pitchFamily="34" charset="0"/>
-                <a:cs typeface="Times New Roman" panose="02020603050405020304" pitchFamily="18" charset="0"/>
-              </a:rPr>
-              <a:t>256 </a:t>
-            </a:r>
-            <a:r>
-              <a:rPr lang="en-US" sz="1200" dirty="0" smtClean="0">
-                <a:latin typeface="Calibri" panose="020F0502020204030204" pitchFamily="34" charset="0"/>
-                <a:ea typeface="Calibri" panose="020F0502020204030204" pitchFamily="34" charset="0"/>
-                <a:cs typeface="Times New Roman" panose="02020603050405020304" pitchFamily="18" charset="0"/>
-              </a:rPr>
-              <a:t> 256-bit strings. Admittedly this is a very large number, 1.1579209e+77 to be exact. That is greater than a 1 with 77 zeros after it. This is slightly less than the estimated number of molecules in the universe.</a:t>
-            </a:r>
-            <a:endParaRPr lang="en-US" sz="1200" dirty="0" smtClean="0">
-              <a:effectLst/>
-              <a:latin typeface="Calibri" panose="020F0502020204030204" pitchFamily="34" charset="0"/>
-              <a:ea typeface="Calibri" panose="020F0502020204030204" pitchFamily="34" charset="0"/>
-              <a:cs typeface="Times New Roman" panose="02020603050405020304" pitchFamily="18" charset="0"/>
-            </a:endParaRPr>
-          </a:p>
-          <a:p>
-            <a:endParaRPr lang="en-US" i="1" dirty="0"/>
-          </a:p>
-          <a:p>
-            <a:r>
-              <a:rPr lang="en-US" dirty="0"/>
-              <a:t>     </a:t>
-            </a:r>
-          </a:p>
-        </p:txBody>
-      </p:sp>
-      <p:sp>
-        <p:nvSpPr>
-          <p:cNvPr id="4" name="Slide Number Placeholder 3"/>
-          <p:cNvSpPr>
-            <a:spLocks noGrp="1"/>
-          </p:cNvSpPr>
-          <p:nvPr>
-            <p:ph type="sldNum" sz="quarter" idx="10"/>
-          </p:nvPr>
-        </p:nvSpPr>
-        <p:spPr/>
-        <p:txBody>
-          <a:bodyPr/>
-          <a:lstStyle/>
-          <a:p>
-            <a:fld id="{AE28AEAF-8AED-4B17-803F-0A6D30FEC6E7}" type="slidenum">
-              <a:rPr lang="en-US" smtClean="0"/>
-              <a:t>58</a:t>
-            </a:fld>
-            <a:endParaRPr lang="en-US"/>
-          </a:p>
-        </p:txBody>
-      </p:sp>
-      <p:sp>
-        <p:nvSpPr>
-          <p:cNvPr id="5" name="Rectangle 4"/>
-          <p:cNvSpPr/>
-          <p:nvPr/>
-        </p:nvSpPr>
-        <p:spPr>
-          <a:xfrm>
-            <a:off x="685800" y="4400550"/>
-            <a:ext cx="5486400" cy="3422091"/>
-          </a:xfrm>
-          <a:prstGeom prst="rect">
-            <a:avLst/>
-          </a:prstGeom>
-        </p:spPr>
-        <p:txBody>
-          <a:bodyPr wrap="square">
-            <a:spAutoFit/>
-          </a:bodyPr>
-          <a:lstStyle/>
-          <a:p>
-            <a:pPr>
-              <a:lnSpc>
-                <a:spcPct val="107000"/>
-              </a:lnSpc>
-              <a:spcAft>
-                <a:spcPts val="800"/>
+                <a:spcPts val="822"/>
               </a:spcAft>
             </a:pPr>
             <a:r>
@@ -7270,7 +6471,7 @@
                 <a:spcPct val="107000"/>
               </a:lnSpc>
               <a:spcAft>
-                <a:spcPts val="800"/>
+                <a:spcPts val="822"/>
               </a:spcAft>
             </a:pPr>
             <a:r>
@@ -7297,12 +6498,6 @@
               </a:rPr>
               <a:t> 256-bit strings. Admittedly this is a very large number, 1.1579209e+77 to be exact. That is greater than a 1 with 77 zeros after it. This is slightly less than the estimated number of molecules in the universe.</a:t>
             </a:r>
-            <a:endParaRPr lang="en-US" sz="1400" dirty="0">
-              <a:effectLst/>
-              <a:latin typeface="Calibri" panose="020F0502020204030204" pitchFamily="34" charset="0"/>
-              <a:ea typeface="Calibri" panose="020F0502020204030204" pitchFamily="34" charset="0"/>
-              <a:cs typeface="Times New Roman" panose="02020603050405020304" pitchFamily="18" charset="0"/>
-            </a:endParaRPr>
           </a:p>
         </p:txBody>
       </p:sp>
@@ -7350,65 +6545,6 @@
       </p:sp>
       <p:sp>
         <p:nvSpPr>
-          <p:cNvPr id="3" name="Notes Placeholder 2"/>
-          <p:cNvSpPr>
-            <a:spLocks noGrp="1"/>
-          </p:cNvSpPr>
-          <p:nvPr>
-            <p:ph type="body" idx="1"/>
-          </p:nvPr>
-        </p:nvSpPr>
-        <p:spPr/>
-        <p:txBody>
-          <a:bodyPr/>
-          <a:lstStyle/>
-          <a:p>
-            <a:endParaRPr lang="en-US" i="1" dirty="0"/>
-          </a:p>
-          <a:p>
-            <a:pPr marL="0" marR="0" indent="0" algn="l" defTabSz="914400" rtl="0" eaLnBrk="1" fontAlgn="auto" latinLnBrk="0" hangingPunct="1">
-              <a:lnSpc>
-                <a:spcPct val="100000"/>
-              </a:lnSpc>
-              <a:spcBef>
-                <a:spcPts val="0"/>
-              </a:spcBef>
-              <a:spcAft>
-                <a:spcPts val="0"/>
-              </a:spcAft>
-              <a:buClrTx/>
-              <a:buSzTx/>
-              <a:buFontTx/>
-              <a:buNone/>
-              <a:tabLst/>
-              <a:defRPr/>
-            </a:pPr>
-            <a:r>
-              <a:rPr lang="en-US" dirty="0"/>
-              <a:t>     </a:t>
-            </a:r>
-            <a:r>
-              <a:rPr lang="en-US" dirty="0" smtClean="0">
-                <a:latin typeface="Calibri" panose="020F0502020204030204" pitchFamily="34" charset="0"/>
-                <a:ea typeface="Calibri" panose="020F0502020204030204" pitchFamily="34" charset="0"/>
-                <a:cs typeface="Times New Roman" panose="02020603050405020304" pitchFamily="18" charset="0"/>
-              </a:rPr>
-              <a:t>The second characteristic of a cryptographic hash is called the hiding property. This states that given y = H(x), where x is a possible input and y is the output that corresponds to x, it is infeasible to find x. What is meant by infeasible is that it would take more computing power than exists on earth more time than the earth has been in existence to determine x given y.</a:t>
-            </a:r>
-            <a:endParaRPr lang="en-US" dirty="0" smtClean="0">
-              <a:effectLst/>
-              <a:latin typeface="Calibri" panose="020F0502020204030204" pitchFamily="34" charset="0"/>
-              <a:ea typeface="Calibri" panose="020F0502020204030204" pitchFamily="34" charset="0"/>
-              <a:cs typeface="Times New Roman" panose="02020603050405020304" pitchFamily="18" charset="0"/>
-            </a:endParaRPr>
-          </a:p>
-          <a:p>
-            <a:endParaRPr lang="en-US" dirty="0"/>
-          </a:p>
-        </p:txBody>
-      </p:sp>
-      <p:sp>
-        <p:nvSpPr>
           <p:cNvPr id="4" name="Slide Number Placeholder 3"/>
           <p:cNvSpPr>
             <a:spLocks noGrp="1"/>
@@ -7438,15 +6574,15 @@
         </p:nvSpPr>
         <p:spPr>
           <a:xfrm>
-            <a:off x="582384" y="4632811"/>
-            <a:ext cx="5589815" cy="2166875"/>
+            <a:off x="707708" y="4506235"/>
+            <a:ext cx="5768379" cy="2218790"/>
           </a:xfrm>
           <a:prstGeom prst="rect">
             <a:avLst/>
           </a:prstGeom>
         </p:spPr>
         <p:txBody>
-          <a:bodyPr wrap="square">
+          <a:bodyPr wrap="square" lIns="93936" tIns="46968" rIns="93936" bIns="46968">
             <a:spAutoFit/>
           </a:bodyPr>
           <a:lstStyle/>
@@ -7456,7 +6592,7 @@
                 <a:spcPct val="107000"/>
               </a:lnSpc>
               <a:spcAft>
-                <a:spcPts val="800"/>
+                <a:spcPts val="822"/>
               </a:spcAft>
             </a:pPr>
             <a:r>
@@ -7538,7 +6674,7 @@
               <a:t>So what is this thing we call the Block Chain? You will find many answers to this question</a:t>
             </a:r>
             <a:r>
-              <a:rPr lang="en-US" sz="1400" dirty="0" smtClean="0"/>
+              <a:rPr lang="en-US" sz="1400" dirty="0"/>
               <a:t>.</a:t>
             </a:r>
           </a:p>
@@ -7623,17 +6759,46 @@
       </p:sp>
       <p:sp>
         <p:nvSpPr>
-          <p:cNvPr id="3" name="Notes Placeholder 2"/>
-          <p:cNvSpPr>
-            <a:spLocks noGrp="1"/>
-          </p:cNvSpPr>
-          <p:nvPr>
-            <p:ph type="body" idx="1"/>
+          <p:cNvPr id="4" name="Slide Number Placeholder 3"/>
+          <p:cNvSpPr>
+            <a:spLocks noGrp="1"/>
+          </p:cNvSpPr>
+          <p:nvPr>
+            <p:ph type="sldNum" sz="quarter" idx="10"/>
           </p:nvPr>
         </p:nvSpPr>
         <p:spPr/>
         <p:txBody>
           <a:bodyPr/>
+          <a:lstStyle/>
+          <a:p>
+            <a:fld id="{AE28AEAF-8AED-4B17-803F-0A6D30FEC6E7}" type="slidenum">
+              <a:rPr lang="en-US" smtClean="0"/>
+              <a:t>60</a:t>
+            </a:fld>
+            <a:endParaRPr lang="en-US"/>
+          </a:p>
+        </p:txBody>
+      </p:sp>
+      <p:sp>
+        <p:nvSpPr>
+          <p:cNvPr id="5" name="Rectangle 4"/>
+          <p:cNvSpPr/>
+          <p:nvPr/>
+        </p:nvSpPr>
+        <p:spPr>
+          <a:xfrm>
+            <a:off x="707708" y="4442221"/>
+            <a:ext cx="5661660" cy="3032009"/>
+          </a:xfrm>
+          <a:prstGeom prst="rect">
+            <a:avLst/>
+          </a:prstGeom>
+        </p:spPr>
+        <p:txBody>
+          <a:bodyPr wrap="square" lIns="93936" tIns="46968" rIns="93936" bIns="46968">
+            <a:spAutoFit/>
+          </a:bodyPr>
           <a:lstStyle/>
           <a:p>
             <a:pPr>
@@ -7641,103 +6806,7 @@
                 <a:spcPct val="107000"/>
               </a:lnSpc>
               <a:spcAft>
-                <a:spcPts val="800"/>
-              </a:spcAft>
-            </a:pPr>
-            <a:r>
-              <a:rPr lang="en-US" sz="1200" dirty="0" smtClean="0">
-                <a:latin typeface="Calibri" panose="020F0502020204030204" pitchFamily="34" charset="0"/>
-                <a:ea typeface="Calibri" panose="020F0502020204030204" pitchFamily="34" charset="0"/>
-                <a:cs typeface="Times New Roman" panose="02020603050405020304" pitchFamily="18" charset="0"/>
-              </a:rPr>
-              <a:t>The third characteristic of cryptographic hash functions is that they must be puzzle friendly. By puzzle friendly cryptographers mean the puzzles are challenging, not easy to solve. I won’t go into all the discrete probability behind this characteristic, but the gist is that given inputs x and y that are almost equal, H(x) and H(y) differ greatly, which is what this odd notation here means. The salient point is that if I give you x, y, and H(x), you cannot predict H(y). Cryptographers and information theorists refer to the “spreading” effect, where inputs that are close together map to values that are spread far apart as high min entropy. That’s not important for our purposes here, but if you do any investigation on your own, you will likely run into the term.</a:t>
-            </a:r>
-          </a:p>
-          <a:p>
-            <a:pPr>
-              <a:lnSpc>
-                <a:spcPct val="107000"/>
-              </a:lnSpc>
-              <a:spcAft>
-                <a:spcPts val="800"/>
-              </a:spcAft>
-            </a:pPr>
-            <a:r>
-              <a:rPr lang="en-US" sz="1200" dirty="0" smtClean="0">
-                <a:latin typeface="Calibri" panose="020F0502020204030204" pitchFamily="34" charset="0"/>
-                <a:ea typeface="Calibri" panose="020F0502020204030204" pitchFamily="34" charset="0"/>
-                <a:cs typeface="Times New Roman" panose="02020603050405020304" pitchFamily="18" charset="0"/>
-              </a:rPr>
-              <a:t>Now we can talk about the Bitcoin block chain mining puzzle. </a:t>
-            </a:r>
-            <a:endParaRPr lang="en-US" sz="1200" dirty="0" smtClean="0">
-              <a:effectLst/>
-              <a:latin typeface="Calibri" panose="020F0502020204030204" pitchFamily="34" charset="0"/>
-              <a:ea typeface="Calibri" panose="020F0502020204030204" pitchFamily="34" charset="0"/>
-              <a:cs typeface="Times New Roman" panose="02020603050405020304" pitchFamily="18" charset="0"/>
-            </a:endParaRPr>
-          </a:p>
-          <a:p>
-            <a:endParaRPr lang="en-US" i="1" dirty="0"/>
-          </a:p>
-          <a:p>
-            <a:r>
-              <a:rPr lang="en-US" dirty="0"/>
-              <a:t>     </a:t>
-            </a:r>
-          </a:p>
-        </p:txBody>
-      </p:sp>
-      <p:sp>
-        <p:nvSpPr>
-          <p:cNvPr id="4" name="Slide Number Placeholder 3"/>
-          <p:cNvSpPr>
-            <a:spLocks noGrp="1"/>
-          </p:cNvSpPr>
-          <p:nvPr>
-            <p:ph type="sldNum" sz="quarter" idx="10"/>
-          </p:nvPr>
-        </p:nvSpPr>
-        <p:spPr/>
-        <p:txBody>
-          <a:bodyPr/>
-          <a:lstStyle/>
-          <a:p>
-            <a:fld id="{AE28AEAF-8AED-4B17-803F-0A6D30FEC6E7}" type="slidenum">
-              <a:rPr lang="en-US" smtClean="0"/>
-              <a:t>60</a:t>
-            </a:fld>
-            <a:endParaRPr lang="en-US"/>
-          </a:p>
-        </p:txBody>
-      </p:sp>
-      <p:sp>
-        <p:nvSpPr>
-          <p:cNvPr id="5" name="Rectangle 4"/>
-          <p:cNvSpPr/>
-          <p:nvPr/>
-        </p:nvSpPr>
-        <p:spPr>
-          <a:xfrm>
-            <a:off x="685800" y="4400550"/>
-            <a:ext cx="5486400" cy="2961067"/>
-          </a:xfrm>
-          <a:prstGeom prst="rect">
-            <a:avLst/>
-          </a:prstGeom>
-        </p:spPr>
-        <p:txBody>
-          <a:bodyPr wrap="square">
-            <a:spAutoFit/>
-          </a:bodyPr>
-          <a:lstStyle/>
-          <a:p>
-            <a:pPr>
-              <a:lnSpc>
-                <a:spcPct val="107000"/>
-              </a:lnSpc>
-              <a:spcAft>
-                <a:spcPts val="800"/>
+                <a:spcPts val="822"/>
               </a:spcAft>
             </a:pPr>
             <a:r>
@@ -7755,7 +6824,7 @@
                 <a:spcPct val="107000"/>
               </a:lnSpc>
               <a:spcAft>
-                <a:spcPts val="800"/>
+                <a:spcPts val="822"/>
               </a:spcAft>
             </a:pPr>
             <a:r>
@@ -7766,12 +6835,6 @@
               </a:rPr>
               <a:t>Now we can talk about the Bitcoin block chain mining puzzle. </a:t>
             </a:r>
-            <a:endParaRPr lang="en-US" sz="1400" dirty="0">
-              <a:effectLst/>
-              <a:latin typeface="Calibri" panose="020F0502020204030204" pitchFamily="34" charset="0"/>
-              <a:ea typeface="Calibri" panose="020F0502020204030204" pitchFamily="34" charset="0"/>
-              <a:cs typeface="Times New Roman" panose="02020603050405020304" pitchFamily="18" charset="0"/>
-            </a:endParaRPr>
           </a:p>
         </p:txBody>
       </p:sp>
@@ -7819,17 +6882,46 @@
       </p:sp>
       <p:sp>
         <p:nvSpPr>
-          <p:cNvPr id="3" name="Notes Placeholder 2"/>
-          <p:cNvSpPr>
-            <a:spLocks noGrp="1"/>
-          </p:cNvSpPr>
-          <p:nvPr>
-            <p:ph type="body" idx="1"/>
+          <p:cNvPr id="4" name="Slide Number Placeholder 3"/>
+          <p:cNvSpPr>
+            <a:spLocks noGrp="1"/>
+          </p:cNvSpPr>
+          <p:nvPr>
+            <p:ph type="sldNum" sz="quarter" idx="10"/>
           </p:nvPr>
         </p:nvSpPr>
         <p:spPr/>
         <p:txBody>
           <a:bodyPr/>
+          <a:lstStyle/>
+          <a:p>
+            <a:fld id="{AE28AEAF-8AED-4B17-803F-0A6D30FEC6E7}" type="slidenum">
+              <a:rPr lang="en-US" smtClean="0"/>
+              <a:t>61</a:t>
+            </a:fld>
+            <a:endParaRPr lang="en-US"/>
+          </a:p>
+        </p:txBody>
+      </p:sp>
+      <p:sp>
+        <p:nvSpPr>
+          <p:cNvPr id="5" name="Rectangle 4"/>
+          <p:cNvSpPr/>
+          <p:nvPr/>
+        </p:nvSpPr>
+        <p:spPr>
+          <a:xfrm>
+            <a:off x="707708" y="4492005"/>
+            <a:ext cx="5661660" cy="2020376"/>
+          </a:xfrm>
+          <a:prstGeom prst="rect">
+            <a:avLst/>
+          </a:prstGeom>
+        </p:spPr>
+        <p:txBody>
+          <a:bodyPr wrap="square" lIns="93936" tIns="46968" rIns="93936" bIns="46968">
+            <a:spAutoFit/>
+          </a:bodyPr>
           <a:lstStyle/>
           <a:p>
             <a:pPr>
@@ -7837,119 +6929,7 @@
                 <a:spcPct val="107000"/>
               </a:lnSpc>
               <a:spcAft>
-                <a:spcPts val="800"/>
-              </a:spcAft>
-            </a:pPr>
-            <a:r>
-              <a:rPr lang="en-US" dirty="0" smtClean="0">
-                <a:latin typeface="Calibri" panose="020F0502020204030204" pitchFamily="34" charset="0"/>
-                <a:ea typeface="Calibri" panose="020F0502020204030204" pitchFamily="34" charset="0"/>
-                <a:cs typeface="Times New Roman" panose="02020603050405020304" pitchFamily="18" charset="0"/>
-              </a:rPr>
-              <a:t>The puzzle is this: given a 256 bit string with n leading zeros, find a nonce that, when hashed along with the rest of the block header, has at least n leading zeros. This string is referred to as the “target.”</a:t>
-            </a:r>
-          </a:p>
-          <a:p>
-            <a:pPr>
-              <a:lnSpc>
-                <a:spcPct val="107000"/>
-              </a:lnSpc>
-              <a:spcAft>
-                <a:spcPts val="800"/>
-              </a:spcAft>
-            </a:pPr>
-            <a:r>
-              <a:rPr lang="en-US" dirty="0" smtClean="0">
-                <a:latin typeface="Calibri" panose="020F0502020204030204" pitchFamily="34" charset="0"/>
-                <a:ea typeface="Calibri" panose="020F0502020204030204" pitchFamily="34" charset="0"/>
-                <a:cs typeface="Times New Roman" panose="02020603050405020304" pitchFamily="18" charset="0"/>
-              </a:rPr>
-              <a:t>This probably sounds like gibberish to you, so let me ‘</a:t>
-            </a:r>
-            <a:r>
-              <a:rPr lang="en-US" dirty="0" err="1" smtClean="0">
-                <a:latin typeface="Calibri" panose="020F0502020204030204" pitchFamily="34" charset="0"/>
-                <a:ea typeface="Calibri" panose="020F0502020204030204" pitchFamily="34" charset="0"/>
-                <a:cs typeface="Times New Roman" panose="02020603050405020304" pitchFamily="18" charset="0"/>
-              </a:rPr>
-              <a:t>splain</a:t>
-            </a:r>
-            <a:r>
-              <a:rPr lang="en-US" dirty="0" smtClean="0">
-                <a:latin typeface="Calibri" panose="020F0502020204030204" pitchFamily="34" charset="0"/>
-                <a:ea typeface="Calibri" panose="020F0502020204030204" pitchFamily="34" charset="0"/>
-                <a:cs typeface="Times New Roman" panose="02020603050405020304" pitchFamily="18" charset="0"/>
-              </a:rPr>
-              <a:t>.</a:t>
-            </a:r>
-            <a:endParaRPr lang="en-US" dirty="0" smtClean="0">
-              <a:effectLst/>
-              <a:latin typeface="Calibri" panose="020F0502020204030204" pitchFamily="34" charset="0"/>
-              <a:ea typeface="Calibri" panose="020F0502020204030204" pitchFamily="34" charset="0"/>
-              <a:cs typeface="Times New Roman" panose="02020603050405020304" pitchFamily="18" charset="0"/>
-            </a:endParaRPr>
-          </a:p>
-          <a:p>
-            <a:endParaRPr lang="en-US" i="1" dirty="0"/>
-          </a:p>
-          <a:p>
-            <a:r>
-              <a:rPr lang="en-US" dirty="0"/>
-              <a:t>     </a:t>
-            </a:r>
-          </a:p>
-        </p:txBody>
-      </p:sp>
-      <p:sp>
-        <p:nvSpPr>
-          <p:cNvPr id="4" name="Slide Number Placeholder 3"/>
-          <p:cNvSpPr>
-            <a:spLocks noGrp="1"/>
-          </p:cNvSpPr>
-          <p:nvPr>
-            <p:ph type="sldNum" sz="quarter" idx="10"/>
-          </p:nvPr>
-        </p:nvSpPr>
-        <p:spPr/>
-        <p:txBody>
-          <a:bodyPr/>
-          <a:lstStyle/>
-          <a:p>
-            <a:fld id="{AE28AEAF-8AED-4B17-803F-0A6D30FEC6E7}" type="slidenum">
-              <a:rPr lang="en-US" smtClean="0"/>
-              <a:t>61</a:t>
-            </a:fld>
-            <a:endParaRPr lang="en-US"/>
-          </a:p>
-        </p:txBody>
-      </p:sp>
-      <p:sp>
-        <p:nvSpPr>
-          <p:cNvPr id="5" name="Rectangle 4"/>
-          <p:cNvSpPr/>
-          <p:nvPr/>
-        </p:nvSpPr>
-        <p:spPr>
-          <a:xfrm>
-            <a:off x="685800" y="4400550"/>
-            <a:ext cx="5486400" cy="1973104"/>
-          </a:xfrm>
-          <a:prstGeom prst="rect">
-            <a:avLst/>
-          </a:prstGeom>
-        </p:spPr>
-        <p:txBody>
-          <a:bodyPr wrap="square">
-            <a:spAutoFit/>
-          </a:bodyPr>
-          <a:lstStyle/>
-          <a:p>
-            <a:pPr>
-              <a:lnSpc>
-                <a:spcPct val="107000"/>
-              </a:lnSpc>
-              <a:spcAft>
-                <a:spcPts val="800"/>
+                <a:spcPts val="822"/>
               </a:spcAft>
             </a:pPr>
             <a:r>
@@ -7967,7 +6947,7 @@
                 <a:spcPct val="107000"/>
               </a:lnSpc>
               <a:spcAft>
-                <a:spcPts val="800"/>
+                <a:spcPts val="822"/>
               </a:spcAft>
             </a:pPr>
             <a:r>
@@ -8047,96 +7027,6 @@
       </p:sp>
       <p:sp>
         <p:nvSpPr>
-          <p:cNvPr id="3" name="Notes Placeholder 2"/>
-          <p:cNvSpPr>
-            <a:spLocks noGrp="1"/>
-          </p:cNvSpPr>
-          <p:nvPr>
-            <p:ph type="body" idx="1"/>
-          </p:nvPr>
-        </p:nvSpPr>
-        <p:spPr/>
-        <p:txBody>
-          <a:bodyPr/>
-          <a:lstStyle/>
-          <a:p>
-            <a:pPr marL="0" marR="0" indent="0" algn="l" defTabSz="914400" rtl="0" eaLnBrk="1" fontAlgn="auto" latinLnBrk="0" hangingPunct="1">
-              <a:lnSpc>
-                <a:spcPct val="100000"/>
-              </a:lnSpc>
-              <a:spcBef>
-                <a:spcPts val="0"/>
-              </a:spcBef>
-              <a:spcAft>
-                <a:spcPts val="0"/>
-              </a:spcAft>
-              <a:buClrTx/>
-              <a:buSzTx/>
-              <a:buFontTx/>
-              <a:buNone/>
-              <a:tabLst/>
-              <a:defRPr/>
-            </a:pPr>
-            <a:r>
-              <a:rPr lang="en-US" dirty="0" smtClean="0">
-                <a:latin typeface="Calibri" panose="020F0502020204030204" pitchFamily="34" charset="0"/>
-                <a:ea typeface="Calibri" panose="020F0502020204030204" pitchFamily="34" charset="0"/>
-                <a:cs typeface="Times New Roman" panose="02020603050405020304" pitchFamily="18" charset="0"/>
-              </a:rPr>
-              <a:t>A nonce in cryptography is a one time use random number that is used to generate different hashes for the same input. We normally speak of the </a:t>
-            </a:r>
-            <a:r>
-              <a:rPr lang="en-US" dirty="0" err="1" smtClean="0">
-                <a:latin typeface="Calibri" panose="020F0502020204030204" pitchFamily="34" charset="0"/>
-                <a:ea typeface="Calibri" panose="020F0502020204030204" pitchFamily="34" charset="0"/>
-                <a:cs typeface="Times New Roman" panose="02020603050405020304" pitchFamily="18" charset="0"/>
-              </a:rPr>
-              <a:t>nonces</a:t>
-            </a:r>
-            <a:r>
-              <a:rPr lang="en-US" dirty="0" smtClean="0">
-                <a:latin typeface="Calibri" panose="020F0502020204030204" pitchFamily="34" charset="0"/>
-                <a:ea typeface="Calibri" panose="020F0502020204030204" pitchFamily="34" charset="0"/>
-                <a:cs typeface="Times New Roman" panose="02020603050405020304" pitchFamily="18" charset="0"/>
-              </a:rPr>
-              <a:t> being concatenated with the same input. In this case the hash of the block header. Equivalently, we could just put the nonce in the block header, which is what is done in the Bitcoin block chain. Although the rest of the header stays the same, the output of the hash with two different </a:t>
-            </a:r>
-            <a:r>
-              <a:rPr lang="en-US" dirty="0" err="1" smtClean="0">
-                <a:latin typeface="Calibri" panose="020F0502020204030204" pitchFamily="34" charset="0"/>
-                <a:ea typeface="Calibri" panose="020F0502020204030204" pitchFamily="34" charset="0"/>
-                <a:cs typeface="Times New Roman" panose="02020603050405020304" pitchFamily="18" charset="0"/>
-              </a:rPr>
-              <a:t>nonces</a:t>
-            </a:r>
-            <a:r>
-              <a:rPr lang="en-US" dirty="0" smtClean="0">
-                <a:latin typeface="Calibri" panose="020F0502020204030204" pitchFamily="34" charset="0"/>
-                <a:ea typeface="Calibri" panose="020F0502020204030204" pitchFamily="34" charset="0"/>
-                <a:cs typeface="Times New Roman" panose="02020603050405020304" pitchFamily="18" charset="0"/>
-              </a:rPr>
-              <a:t> would differ by a great amount, which is to say that adding a nonce takes advantage of SHA256’s high puzzle friendliness.</a:t>
-            </a:r>
-            <a:endParaRPr lang="en-US" dirty="0" smtClean="0">
-              <a:effectLst/>
-              <a:latin typeface="Calibri" panose="020F0502020204030204" pitchFamily="34" charset="0"/>
-              <a:ea typeface="Calibri" panose="020F0502020204030204" pitchFamily="34" charset="0"/>
-              <a:cs typeface="Times New Roman" panose="02020603050405020304" pitchFamily="18" charset="0"/>
-            </a:endParaRPr>
-          </a:p>
-          <a:p>
-            <a:endParaRPr lang="en-US" i="1" dirty="0"/>
-          </a:p>
-          <a:p>
-            <a:r>
-              <a:rPr lang="en-US" dirty="0"/>
-              <a:t>     </a:t>
-            </a:r>
-          </a:p>
-        </p:txBody>
-      </p:sp>
-      <p:sp>
-        <p:nvSpPr>
           <p:cNvPr id="4" name="Slide Number Placeholder 3"/>
           <p:cNvSpPr>
             <a:spLocks noGrp="1"/>
@@ -8166,15 +7056,15 @@
         </p:nvSpPr>
         <p:spPr>
           <a:xfrm>
-            <a:off x="685800" y="4546747"/>
-            <a:ext cx="5486400" cy="3352328"/>
+            <a:off x="707708" y="4529908"/>
+            <a:ext cx="5661660" cy="3432644"/>
           </a:xfrm>
           <a:prstGeom prst="rect">
             <a:avLst/>
           </a:prstGeom>
         </p:spPr>
         <p:txBody>
-          <a:bodyPr wrap="square">
+          <a:bodyPr wrap="square" lIns="93936" tIns="46968" rIns="93936" bIns="46968">
             <a:spAutoFit/>
           </a:bodyPr>
           <a:lstStyle/>
@@ -8184,7 +7074,7 @@
                 <a:spcPct val="107000"/>
               </a:lnSpc>
               <a:spcAft>
-                <a:spcPts val="800"/>
+                <a:spcPts val="822"/>
               </a:spcAft>
             </a:pPr>
             <a:r>
@@ -8280,17 +7170,46 @@
       </p:sp>
       <p:sp>
         <p:nvSpPr>
-          <p:cNvPr id="3" name="Notes Placeholder 2"/>
-          <p:cNvSpPr>
-            <a:spLocks noGrp="1"/>
-          </p:cNvSpPr>
-          <p:nvPr>
-            <p:ph type="body" idx="1"/>
+          <p:cNvPr id="4" name="Slide Number Placeholder 3"/>
+          <p:cNvSpPr>
+            <a:spLocks noGrp="1"/>
+          </p:cNvSpPr>
+          <p:nvPr>
+            <p:ph type="sldNum" sz="quarter" idx="10"/>
           </p:nvPr>
         </p:nvSpPr>
         <p:spPr/>
         <p:txBody>
           <a:bodyPr/>
+          <a:lstStyle/>
+          <a:p>
+            <a:fld id="{AE28AEAF-8AED-4B17-803F-0A6D30FEC6E7}" type="slidenum">
+              <a:rPr lang="en-US" smtClean="0"/>
+              <a:t>63</a:t>
+            </a:fld>
+            <a:endParaRPr lang="en-US"/>
+          </a:p>
+        </p:txBody>
+      </p:sp>
+      <p:sp>
+        <p:nvSpPr>
+          <p:cNvPr id="5" name="Rectangle 4"/>
+          <p:cNvSpPr/>
+          <p:nvPr/>
+        </p:nvSpPr>
+        <p:spPr>
+          <a:xfrm>
+            <a:off x="707708" y="4487934"/>
+            <a:ext cx="5661660" cy="2428891"/>
+          </a:xfrm>
+          <a:prstGeom prst="rect">
+            <a:avLst/>
+          </a:prstGeom>
+        </p:spPr>
+        <p:txBody>
+          <a:bodyPr wrap="square" lIns="93936" tIns="46968" rIns="93936" bIns="46968">
+            <a:spAutoFit/>
+          </a:bodyPr>
           <a:lstStyle/>
           <a:p>
             <a:pPr>
@@ -8298,121 +7217,7 @@
                 <a:spcPct val="107000"/>
               </a:lnSpc>
               <a:spcAft>
-                <a:spcPts val="800"/>
-              </a:spcAft>
-            </a:pPr>
-            <a:r>
-              <a:rPr lang="en-US" dirty="0" smtClean="0">
-                <a:latin typeface="Calibri" panose="020F0502020204030204" pitchFamily="34" charset="0"/>
-                <a:ea typeface="Calibri" panose="020F0502020204030204" pitchFamily="34" charset="0"/>
-                <a:cs typeface="Times New Roman" panose="02020603050405020304" pitchFamily="18" charset="0"/>
-              </a:rPr>
-              <a:t>So what does one of these targets look like? Here’s the mining difficulty target that was used in March of 2015:</a:t>
-            </a:r>
-          </a:p>
-          <a:p>
-            <a:pPr>
-              <a:lnSpc>
-                <a:spcPct val="107000"/>
-              </a:lnSpc>
-              <a:spcAft>
-                <a:spcPts val="800"/>
-              </a:spcAft>
-            </a:pPr>
-            <a:r>
-              <a:rPr lang="en-US" dirty="0" smtClean="0">
-                <a:latin typeface="Calibri" panose="020F0502020204030204" pitchFamily="34" charset="0"/>
-                <a:ea typeface="Calibri" panose="020F0502020204030204" pitchFamily="34" charset="0"/>
-                <a:cs typeface="Times New Roman" panose="02020603050405020304" pitchFamily="18" charset="0"/>
-              </a:rPr>
-              <a:t>0x0000000000000000172EC0000000000000000000000000000000000000000000</a:t>
-            </a:r>
-          </a:p>
-          <a:p>
-            <a:pPr>
-              <a:lnSpc>
-                <a:spcPct val="107000"/>
-              </a:lnSpc>
-              <a:spcAft>
-                <a:spcPts val="800"/>
-              </a:spcAft>
-            </a:pPr>
-            <a:r>
-              <a:rPr lang="en-US" dirty="0" smtClean="0">
-                <a:latin typeface="Calibri" panose="020F0502020204030204" pitchFamily="34" charset="0"/>
-                <a:ea typeface="Calibri" panose="020F0502020204030204" pitchFamily="34" charset="0"/>
-                <a:cs typeface="Times New Roman" panose="02020603050405020304" pitchFamily="18" charset="0"/>
-              </a:rPr>
-              <a:t>This value has 16 leading hex zeros which is 64 zero bits. Add the three leading zero bits for the 1, and you get 67 zero bits. </a:t>
-            </a:r>
-            <a:endParaRPr lang="en-US" dirty="0" smtClean="0">
-              <a:effectLst/>
-              <a:latin typeface="Calibri" panose="020F0502020204030204" pitchFamily="34" charset="0"/>
-              <a:ea typeface="Calibri" panose="020F0502020204030204" pitchFamily="34" charset="0"/>
-              <a:cs typeface="Times New Roman" panose="02020603050405020304" pitchFamily="18" charset="0"/>
-            </a:endParaRPr>
-          </a:p>
-          <a:p>
-            <a:endParaRPr lang="en-US" i="1" dirty="0"/>
-          </a:p>
-          <a:p>
-            <a:r>
-              <a:rPr lang="en-US" dirty="0"/>
-              <a:t>     </a:t>
-            </a:r>
-          </a:p>
-        </p:txBody>
-      </p:sp>
-      <p:sp>
-        <p:nvSpPr>
-          <p:cNvPr id="4" name="Slide Number Placeholder 3"/>
-          <p:cNvSpPr>
-            <a:spLocks noGrp="1"/>
-          </p:cNvSpPr>
-          <p:nvPr>
-            <p:ph type="sldNum" sz="quarter" idx="10"/>
-          </p:nvPr>
-        </p:nvSpPr>
-        <p:spPr/>
-        <p:txBody>
-          <a:bodyPr/>
-          <a:lstStyle/>
-          <a:p>
-            <a:fld id="{AE28AEAF-8AED-4B17-803F-0A6D30FEC6E7}" type="slidenum">
-              <a:rPr lang="en-US" smtClean="0"/>
-              <a:t>63</a:t>
-            </a:fld>
-            <a:endParaRPr lang="en-US"/>
-          </a:p>
-        </p:txBody>
-      </p:sp>
-      <p:sp>
-        <p:nvSpPr>
-          <p:cNvPr id="5" name="Rectangle 4"/>
-          <p:cNvSpPr/>
-          <p:nvPr/>
-        </p:nvSpPr>
-        <p:spPr>
-          <a:xfrm>
-            <a:off x="685800" y="4614938"/>
-            <a:ext cx="5486400" cy="2372060"/>
-          </a:xfrm>
-          <a:prstGeom prst="rect">
-            <a:avLst/>
-          </a:prstGeom>
-        </p:spPr>
-        <p:txBody>
-          <a:bodyPr wrap="square">
-            <a:spAutoFit/>
-          </a:bodyPr>
-          <a:lstStyle/>
-          <a:p>
-            <a:pPr>
-              <a:lnSpc>
-                <a:spcPct val="107000"/>
-              </a:lnSpc>
-              <a:spcAft>
-                <a:spcPts val="800"/>
+                <a:spcPts val="822"/>
               </a:spcAft>
             </a:pPr>
             <a:r>
@@ -8430,7 +7235,7 @@
                 <a:spcPct val="107000"/>
               </a:lnSpc>
               <a:spcAft>
-                <a:spcPts val="800"/>
+                <a:spcPts val="822"/>
               </a:spcAft>
             </a:pPr>
             <a:r>
@@ -8448,7 +7253,7 @@
                 <a:spcPct val="107000"/>
               </a:lnSpc>
               <a:spcAft>
-                <a:spcPts val="800"/>
+                <a:spcPts val="822"/>
               </a:spcAft>
             </a:pPr>
             <a:r>
@@ -8512,17 +7317,46 @@
       </p:sp>
       <p:sp>
         <p:nvSpPr>
-          <p:cNvPr id="3" name="Notes Placeholder 2"/>
-          <p:cNvSpPr>
-            <a:spLocks noGrp="1"/>
-          </p:cNvSpPr>
-          <p:nvPr>
-            <p:ph type="body" idx="1"/>
+          <p:cNvPr id="4" name="Slide Number Placeholder 3"/>
+          <p:cNvSpPr>
+            <a:spLocks noGrp="1"/>
+          </p:cNvSpPr>
+          <p:nvPr>
+            <p:ph type="sldNum" sz="quarter" idx="10"/>
           </p:nvPr>
         </p:nvSpPr>
         <p:spPr/>
         <p:txBody>
           <a:bodyPr/>
+          <a:lstStyle/>
+          <a:p>
+            <a:fld id="{AE28AEAF-8AED-4B17-803F-0A6D30FEC6E7}" type="slidenum">
+              <a:rPr lang="en-US" smtClean="0"/>
+              <a:t>64</a:t>
+            </a:fld>
+            <a:endParaRPr lang="en-US"/>
+          </a:p>
+        </p:txBody>
+      </p:sp>
+      <p:sp>
+        <p:nvSpPr>
+          <p:cNvPr id="5" name="Rectangle 4"/>
+          <p:cNvSpPr/>
+          <p:nvPr/>
+        </p:nvSpPr>
+        <p:spPr>
+          <a:xfrm>
+            <a:off x="707708" y="4538575"/>
+            <a:ext cx="5661660" cy="4354722"/>
+          </a:xfrm>
+          <a:prstGeom prst="rect">
+            <a:avLst/>
+          </a:prstGeom>
+        </p:spPr>
+        <p:txBody>
+          <a:bodyPr wrap="square" lIns="93936" tIns="46968" rIns="93936" bIns="46968">
+            <a:spAutoFit/>
+          </a:bodyPr>
           <a:lstStyle/>
           <a:p>
             <a:pPr>
@@ -8530,171 +7364,7 @@
                 <a:spcPct val="107000"/>
               </a:lnSpc>
               <a:spcAft>
-                <a:spcPts val="800"/>
-              </a:spcAft>
-            </a:pPr>
-            <a:r>
-              <a:rPr lang="en-US" dirty="0" smtClean="0">
-                <a:latin typeface="Calibri" panose="020F0502020204030204" pitchFamily="34" charset="0"/>
-                <a:ea typeface="Calibri" panose="020F0502020204030204" pitchFamily="34" charset="0"/>
-                <a:cs typeface="Times New Roman" panose="02020603050405020304" pitchFamily="18" charset="0"/>
-              </a:rPr>
-              <a:t>In the Bitcoin proof of work, rather than count leading zeros in a bit string, the target is expressed as an (extremely large) integer and the puzzle becomes finding a nonce that will produce a hash value that is, when converted to an integer, less than the target. In this case, the integer is</a:t>
-            </a:r>
-          </a:p>
-          <a:p>
-            <a:pPr>
-              <a:lnSpc>
-                <a:spcPct val="107000"/>
-              </a:lnSpc>
-              <a:spcAft>
-                <a:spcPts val="800"/>
-              </a:spcAft>
-            </a:pPr>
-            <a:r>
-              <a:rPr lang="en-US" dirty="0" smtClean="0">
-                <a:latin typeface="Calibri" panose="020F0502020204030204" pitchFamily="34" charset="0"/>
-                <a:ea typeface="Calibri" panose="020F0502020204030204" pitchFamily="34" charset="0"/>
-                <a:cs typeface="Times New Roman" panose="02020603050405020304" pitchFamily="18" charset="0"/>
-              </a:rPr>
-              <a:t>5.684361194471146e+56</a:t>
-            </a:r>
-          </a:p>
-          <a:p>
-            <a:pPr>
-              <a:lnSpc>
-                <a:spcPct val="107000"/>
-              </a:lnSpc>
-              <a:spcAft>
-                <a:spcPts val="800"/>
-              </a:spcAft>
-            </a:pPr>
-            <a:r>
-              <a:rPr lang="en-US" dirty="0" smtClean="0">
-                <a:latin typeface="Calibri" panose="020F0502020204030204" pitchFamily="34" charset="0"/>
-                <a:ea typeface="Calibri" panose="020F0502020204030204" pitchFamily="34" charset="0"/>
-                <a:cs typeface="Times New Roman" panose="02020603050405020304" pitchFamily="18" charset="0"/>
-              </a:rPr>
-              <a:t>This is also a very large number, but 2</a:t>
-            </a:r>
-            <a:r>
-              <a:rPr lang="en-US" baseline="30000" dirty="0" smtClean="0">
-                <a:latin typeface="Calibri" panose="020F0502020204030204" pitchFamily="34" charset="0"/>
-                <a:ea typeface="Calibri" panose="020F0502020204030204" pitchFamily="34" charset="0"/>
-                <a:cs typeface="Times New Roman" panose="02020603050405020304" pitchFamily="18" charset="0"/>
-              </a:rPr>
-              <a:t>67</a:t>
-            </a:r>
-            <a:r>
-              <a:rPr lang="en-US" dirty="0" smtClean="0">
-                <a:latin typeface="Calibri" panose="020F0502020204030204" pitchFamily="34" charset="0"/>
-                <a:ea typeface="Calibri" panose="020F0502020204030204" pitchFamily="34" charset="0"/>
-                <a:cs typeface="Times New Roman" panose="02020603050405020304" pitchFamily="18" charset="0"/>
-              </a:rPr>
-              <a:t> is considerably less than 2</a:t>
-            </a:r>
-            <a:r>
-              <a:rPr lang="en-US" baseline="30000" dirty="0" smtClean="0">
-                <a:latin typeface="Calibri" panose="020F0502020204030204" pitchFamily="34" charset="0"/>
-                <a:ea typeface="Calibri" panose="020F0502020204030204" pitchFamily="34" charset="0"/>
-                <a:cs typeface="Times New Roman" panose="02020603050405020304" pitchFamily="18" charset="0"/>
-              </a:rPr>
-              <a:t>256</a:t>
-            </a:r>
-            <a:r>
-              <a:rPr lang="en-US" dirty="0" smtClean="0">
-                <a:latin typeface="Calibri" panose="020F0502020204030204" pitchFamily="34" charset="0"/>
-                <a:ea typeface="Calibri" panose="020F0502020204030204" pitchFamily="34" charset="0"/>
-                <a:cs typeface="Times New Roman" panose="02020603050405020304" pitchFamily="18" charset="0"/>
-              </a:rPr>
-              <a:t>.  It would take you a very long time, on average, to solve this puzzle on your laptop, on the order of 100,000 years, but with the high-powered mining hardware in use today, it only takes a few minutes.</a:t>
-            </a:r>
-          </a:p>
-          <a:p>
-            <a:pPr>
-              <a:lnSpc>
-                <a:spcPct val="107000"/>
-              </a:lnSpc>
-              <a:spcAft>
-                <a:spcPts val="800"/>
-              </a:spcAft>
-            </a:pPr>
-            <a:r>
-              <a:rPr lang="en-US" dirty="0" smtClean="0">
-                <a:latin typeface="Calibri" panose="020F0502020204030204" pitchFamily="34" charset="0"/>
-                <a:ea typeface="Calibri" panose="020F0502020204030204" pitchFamily="34" charset="0"/>
-                <a:cs typeface="Times New Roman" panose="02020603050405020304" pitchFamily="18" charset="0"/>
-              </a:rPr>
-              <a:t>So, then the mining algorithm is roughly as follows:</a:t>
-            </a:r>
-            <a:endParaRPr lang="en-US" dirty="0" smtClean="0">
-              <a:effectLst/>
-              <a:latin typeface="Calibri" panose="020F0502020204030204" pitchFamily="34" charset="0"/>
-              <a:ea typeface="Calibri" panose="020F0502020204030204" pitchFamily="34" charset="0"/>
-              <a:cs typeface="Times New Roman" panose="02020603050405020304" pitchFamily="18" charset="0"/>
-            </a:endParaRPr>
-          </a:p>
-          <a:p>
-            <a:endParaRPr lang="en-US" i="1" dirty="0"/>
-          </a:p>
-          <a:p>
-            <a:r>
-              <a:rPr lang="en-US" dirty="0"/>
-              <a:t>     </a:t>
-            </a:r>
-          </a:p>
-        </p:txBody>
-      </p:sp>
-      <p:sp>
-        <p:nvSpPr>
-          <p:cNvPr id="4" name="Slide Number Placeholder 3"/>
-          <p:cNvSpPr>
-            <a:spLocks noGrp="1"/>
-          </p:cNvSpPr>
-          <p:nvPr>
-            <p:ph type="sldNum" sz="quarter" idx="10"/>
-          </p:nvPr>
-        </p:nvSpPr>
-        <p:spPr/>
-        <p:txBody>
-          <a:bodyPr/>
-          <a:lstStyle/>
-          <a:p>
-            <a:fld id="{AE28AEAF-8AED-4B17-803F-0A6D30FEC6E7}" type="slidenum">
-              <a:rPr lang="en-US" smtClean="0"/>
-              <a:t>64</a:t>
-            </a:fld>
-            <a:endParaRPr lang="en-US"/>
-          </a:p>
-        </p:txBody>
-      </p:sp>
-      <p:sp>
-        <p:nvSpPr>
-          <p:cNvPr id="5" name="Rectangle 4"/>
-          <p:cNvSpPr/>
-          <p:nvPr/>
-        </p:nvSpPr>
-        <p:spPr>
-          <a:xfrm>
-            <a:off x="685800" y="4540360"/>
-            <a:ext cx="5486400" cy="4252831"/>
-          </a:xfrm>
-          <a:prstGeom prst="rect">
-            <a:avLst/>
-          </a:prstGeom>
-        </p:spPr>
-        <p:txBody>
-          <a:bodyPr wrap="square">
-            <a:spAutoFit/>
-          </a:bodyPr>
-          <a:lstStyle/>
-          <a:p>
-            <a:pPr>
-              <a:lnSpc>
-                <a:spcPct val="107000"/>
-              </a:lnSpc>
-              <a:spcAft>
-                <a:spcPts val="800"/>
+                <a:spcPts val="822"/>
               </a:spcAft>
             </a:pPr>
             <a:r>
@@ -8712,7 +7382,7 @@
                 <a:spcPct val="107000"/>
               </a:lnSpc>
               <a:spcAft>
-                <a:spcPts val="800"/>
+                <a:spcPts val="822"/>
               </a:spcAft>
             </a:pPr>
             <a:r>
@@ -8730,7 +7400,7 @@
                 <a:spcPct val="107000"/>
               </a:lnSpc>
               <a:spcAft>
-                <a:spcPts val="800"/>
+                <a:spcPts val="822"/>
               </a:spcAft>
             </a:pPr>
             <a:r>
@@ -8780,7 +7450,7 @@
                 <a:spcPct val="107000"/>
               </a:lnSpc>
               <a:spcAft>
-                <a:spcPts val="800"/>
+                <a:spcPts val="822"/>
               </a:spcAft>
             </a:pPr>
             <a:r>
@@ -8862,11 +7532,11 @@
                 <a:spcPct val="107000"/>
               </a:lnSpc>
               <a:spcAft>
-                <a:spcPts val="800"/>
+                <a:spcPts val="822"/>
               </a:spcAft>
             </a:pPr>
             <a:r>
-              <a:rPr lang="en-US" sz="1200" dirty="0" smtClean="0">
+              <a:rPr lang="en-US" dirty="0">
                 <a:latin typeface="Calibri" panose="020F0502020204030204" pitchFamily="34" charset="0"/>
                 <a:ea typeface="Calibri" panose="020F0502020204030204" pitchFamily="34" charset="0"/>
                 <a:cs typeface="Times New Roman" panose="02020603050405020304" pitchFamily="18" charset="0"/>
@@ -8880,11 +7550,11 @@
                 <a:spcPct val="107000"/>
               </a:lnSpc>
               <a:spcAft>
-                <a:spcPts val="800"/>
+                <a:spcPts val="822"/>
               </a:spcAft>
             </a:pPr>
             <a:r>
-              <a:rPr lang="en-US" sz="1200" dirty="0" smtClean="0">
+              <a:rPr lang="en-US" dirty="0">
                 <a:latin typeface="Calibri" panose="020F0502020204030204" pitchFamily="34" charset="0"/>
                 <a:ea typeface="Calibri" panose="020F0502020204030204" pitchFamily="34" charset="0"/>
                 <a:cs typeface="Times New Roman" panose="02020603050405020304" pitchFamily="18" charset="0"/>
@@ -8898,11 +7568,11 @@
                 <a:spcPct val="107000"/>
               </a:lnSpc>
               <a:spcAft>
-                <a:spcPts val="800"/>
+                <a:spcPts val="822"/>
               </a:spcAft>
             </a:pPr>
             <a:r>
-              <a:rPr lang="en-US" sz="1200" dirty="0" smtClean="0">
+              <a:rPr lang="en-US" dirty="0">
                 <a:latin typeface="Calibri" panose="020F0502020204030204" pitchFamily="34" charset="0"/>
                 <a:ea typeface="Calibri" panose="020F0502020204030204" pitchFamily="34" charset="0"/>
                 <a:cs typeface="Times New Roman" panose="02020603050405020304" pitchFamily="18" charset="0"/>
@@ -8916,11 +7586,11 @@
                 <a:spcPct val="107000"/>
               </a:lnSpc>
               <a:spcAft>
-                <a:spcPts val="800"/>
+                <a:spcPts val="822"/>
               </a:spcAft>
             </a:pPr>
             <a:r>
-              <a:rPr lang="en-US" sz="1200" dirty="0" smtClean="0">
+              <a:rPr lang="en-US" dirty="0">
                 <a:latin typeface="Calibri" panose="020F0502020204030204" pitchFamily="34" charset="0"/>
                 <a:ea typeface="Calibri" panose="020F0502020204030204" pitchFamily="34" charset="0"/>
                 <a:cs typeface="Times New Roman" panose="02020603050405020304" pitchFamily="18" charset="0"/>
@@ -8928,7 +7598,7 @@
               <a:t>Which is why the name of the game in mining is mega-hashes per second. Actually, </a:t>
             </a:r>
             <a:r>
-              <a:rPr lang="en-US" sz="1200" dirty="0" err="1" smtClean="0">
+              <a:rPr lang="en-US" dirty="0" err="1">
                 <a:latin typeface="Calibri" panose="020F0502020204030204" pitchFamily="34" charset="0"/>
                 <a:ea typeface="Calibri" panose="020F0502020204030204" pitchFamily="34" charset="0"/>
                 <a:cs typeface="Times New Roman" panose="02020603050405020304" pitchFamily="18" charset="0"/>
@@ -8936,7 +7606,7 @@
               <a:t>tera</a:t>
             </a:r>
             <a:r>
-              <a:rPr lang="en-US" sz="1200" dirty="0" smtClean="0">
+              <a:rPr lang="en-US" dirty="0">
                 <a:latin typeface="Calibri" panose="020F0502020204030204" pitchFamily="34" charset="0"/>
                 <a:ea typeface="Calibri" panose="020F0502020204030204" pitchFamily="34" charset="0"/>
                 <a:cs typeface="Times New Roman" panose="02020603050405020304" pitchFamily="18" charset="0"/>
@@ -8950,23 +7620,17 @@
                 <a:spcPct val="107000"/>
               </a:lnSpc>
               <a:spcAft>
-                <a:spcPts val="800"/>
+                <a:spcPts val="822"/>
               </a:spcAft>
             </a:pPr>
             <a:r>
-              <a:rPr lang="en-US" sz="1200" dirty="0" smtClean="0">
+              <a:rPr lang="en-US" dirty="0">
                 <a:latin typeface="Calibri" panose="020F0502020204030204" pitchFamily="34" charset="0"/>
                 <a:ea typeface="Calibri" panose="020F0502020204030204" pitchFamily="34" charset="0"/>
                 <a:cs typeface="Times New Roman" panose="02020603050405020304" pitchFamily="18" charset="0"/>
               </a:rPr>
               <a:t>Well, that was anti-climactic. All setup and little payoff. Sigh.</a:t>
             </a:r>
-            <a:endParaRPr lang="en-US" sz="1200" dirty="0" smtClean="0">
-              <a:effectLst/>
-              <a:latin typeface="Calibri" panose="020F0502020204030204" pitchFamily="34" charset="0"/>
-              <a:ea typeface="Calibri" panose="020F0502020204030204" pitchFamily="34" charset="0"/>
-              <a:cs typeface="Times New Roman" panose="02020603050405020304" pitchFamily="18" charset="0"/>
-            </a:endParaRPr>
           </a:p>
           <a:p>
             <a:endParaRPr lang="en-US" i="1" dirty="0"/>
@@ -9010,15 +7674,15 @@
         </p:nvSpPr>
         <p:spPr>
           <a:xfrm>
-            <a:off x="685800" y="4400550"/>
-            <a:ext cx="5486400" cy="3655873"/>
+            <a:off x="707708" y="4505980"/>
+            <a:ext cx="5661660" cy="3469495"/>
           </a:xfrm>
           <a:prstGeom prst="rect">
             <a:avLst/>
           </a:prstGeom>
         </p:spPr>
         <p:txBody>
-          <a:bodyPr wrap="square">
+          <a:bodyPr wrap="square" lIns="93936" tIns="46968" rIns="93936" bIns="46968">
             <a:spAutoFit/>
           </a:bodyPr>
           <a:lstStyle/>
@@ -9028,7 +7692,7 @@
                 <a:spcPct val="107000"/>
               </a:lnSpc>
               <a:spcAft>
-                <a:spcPts val="800"/>
+                <a:spcPts val="822"/>
               </a:spcAft>
             </a:pPr>
             <a:r>
@@ -9046,7 +7710,7 @@
                 <a:spcPct val="107000"/>
               </a:lnSpc>
               <a:spcAft>
-                <a:spcPts val="800"/>
+                <a:spcPts val="822"/>
               </a:spcAft>
             </a:pPr>
             <a:r>
@@ -9064,7 +7728,7 @@
                 <a:spcPct val="107000"/>
               </a:lnSpc>
               <a:spcAft>
-                <a:spcPts val="800"/>
+                <a:spcPts val="822"/>
               </a:spcAft>
             </a:pPr>
             <a:r>
@@ -9082,7 +7746,7 @@
                 <a:spcPct val="107000"/>
               </a:lnSpc>
               <a:spcAft>
-                <a:spcPts val="800"/>
+                <a:spcPts val="822"/>
               </a:spcAft>
             </a:pPr>
             <a:r>
@@ -9116,7 +7780,7 @@
                 <a:spcPct val="107000"/>
               </a:lnSpc>
               <a:spcAft>
-                <a:spcPts val="800"/>
+                <a:spcPts val="822"/>
               </a:spcAft>
             </a:pPr>
             <a:r>
@@ -9127,12 +7791,6 @@
               </a:rPr>
               <a:t>Well, that was anti-climactic. All setup and little payoff. Sigh.</a:t>
             </a:r>
-            <a:endParaRPr lang="en-US" sz="1200" dirty="0">
-              <a:effectLst/>
-              <a:latin typeface="Calibri" panose="020F0502020204030204" pitchFamily="34" charset="0"/>
-              <a:ea typeface="Calibri" panose="020F0502020204030204" pitchFamily="34" charset="0"/>
-              <a:cs typeface="Times New Roman" panose="02020603050405020304" pitchFamily="18" charset="0"/>
-            </a:endParaRPr>
           </a:p>
         </p:txBody>
       </p:sp>
@@ -9373,7 +8031,7 @@
           <a:bodyPr/>
           <a:lstStyle/>
           <a:p>
-            <a:endParaRPr lang="en-US" dirty="0"/>
+            <a:endParaRPr lang="en-US"/>
           </a:p>
         </p:txBody>
       </p:sp>
@@ -9394,7 +8052,7 @@
           <a:p>
             <a:fld id="{AE28AEAF-8AED-4B17-803F-0A6D30FEC6E7}" type="slidenum">
               <a:rPr lang="en-US" smtClean="0"/>
-              <a:t>69</a:t>
+              <a:t>68</a:t>
             </a:fld>
             <a:endParaRPr lang="en-US"/>
           </a:p>
@@ -9403,7 +8061,7 @@
     </p:spTree>
     <p:extLst>
       <p:ext uri="{BB962C8B-B14F-4D97-AF65-F5344CB8AC3E}">
-        <p14:creationId xmlns:p14="http://schemas.microsoft.com/office/powerpoint/2010/main" val="4294259403"/>
+        <p14:creationId xmlns:p14="http://schemas.microsoft.com/office/powerpoint/2010/main" val="168290613"/>
       </p:ext>
     </p:extLst>
   </p:cSld>
@@ -9478,7 +8136,7 @@
           <a:p>
             <a:fld id="{AE28AEAF-8AED-4B17-803F-0A6D30FEC6E7}" type="slidenum">
               <a:rPr lang="en-US" smtClean="0"/>
-              <a:t>70</a:t>
+              <a:t>69</a:t>
             </a:fld>
             <a:endParaRPr lang="en-US"/>
           </a:p>
@@ -9487,7 +8145,7 @@
     </p:spTree>
     <p:extLst>
       <p:ext uri="{BB962C8B-B14F-4D97-AF65-F5344CB8AC3E}">
-        <p14:creationId xmlns:p14="http://schemas.microsoft.com/office/powerpoint/2010/main" val="2528483420"/>
+        <p14:creationId xmlns:p14="http://schemas.microsoft.com/office/powerpoint/2010/main" val="4294259403"/>
       </p:ext>
     </p:extLst>
   </p:cSld>
@@ -9545,7 +8203,7 @@
               <a:rPr lang="en-US" sz="1400" dirty="0"/>
               <a:t>That big blue blob looks more like a larger-than-life foam earplug you’d get at the firing range, but it’s supposed to represent a database. </a:t>
             </a:r>
-            <a:endParaRPr lang="en-US" sz="1400" dirty="0" smtClean="0"/>
+            <a:endParaRPr lang="en-US" sz="1400" dirty="0"/>
           </a:p>
           <a:p>
             <a:endParaRPr lang="en-US" sz="1400" dirty="0"/>
@@ -9662,7 +8320,7 @@
           <a:p>
             <a:fld id="{AE28AEAF-8AED-4B17-803F-0A6D30FEC6E7}" type="slidenum">
               <a:rPr lang="en-US" smtClean="0"/>
-              <a:t>71</a:t>
+              <a:t>70</a:t>
             </a:fld>
             <a:endParaRPr lang="en-US"/>
           </a:p>
@@ -9671,7 +8329,7 @@
     </p:spTree>
     <p:extLst>
       <p:ext uri="{BB962C8B-B14F-4D97-AF65-F5344CB8AC3E}">
-        <p14:creationId xmlns:p14="http://schemas.microsoft.com/office/powerpoint/2010/main" val="1358054039"/>
+        <p14:creationId xmlns:p14="http://schemas.microsoft.com/office/powerpoint/2010/main" val="2528483420"/>
       </p:ext>
     </p:extLst>
   </p:cSld>
@@ -9746,7 +8404,7 @@
           <a:p>
             <a:fld id="{AE28AEAF-8AED-4B17-803F-0A6D30FEC6E7}" type="slidenum">
               <a:rPr lang="en-US" smtClean="0"/>
-              <a:t>72</a:t>
+              <a:t>71</a:t>
             </a:fld>
             <a:endParaRPr lang="en-US"/>
           </a:p>
@@ -9755,7 +8413,7 @@
     </p:spTree>
     <p:extLst>
       <p:ext uri="{BB962C8B-B14F-4D97-AF65-F5344CB8AC3E}">
-        <p14:creationId xmlns:p14="http://schemas.microsoft.com/office/powerpoint/2010/main" val="1201994395"/>
+        <p14:creationId xmlns:p14="http://schemas.microsoft.com/office/powerpoint/2010/main" val="1358054039"/>
       </p:ext>
     </p:extLst>
   </p:cSld>
@@ -9830,7 +8488,7 @@
           <a:p>
             <a:fld id="{AE28AEAF-8AED-4B17-803F-0A6D30FEC6E7}" type="slidenum">
               <a:rPr lang="en-US" smtClean="0"/>
-              <a:t>73</a:t>
+              <a:t>72</a:t>
             </a:fld>
             <a:endParaRPr lang="en-US"/>
           </a:p>
@@ -9839,7 +8497,7 @@
     </p:spTree>
     <p:extLst>
       <p:ext uri="{BB962C8B-B14F-4D97-AF65-F5344CB8AC3E}">
-        <p14:creationId xmlns:p14="http://schemas.microsoft.com/office/powerpoint/2010/main" val="1560212068"/>
+        <p14:creationId xmlns:p14="http://schemas.microsoft.com/office/powerpoint/2010/main" val="1201994395"/>
       </p:ext>
     </p:extLst>
   </p:cSld>
@@ -9914,7 +8572,7 @@
           <a:p>
             <a:fld id="{AE28AEAF-8AED-4B17-803F-0A6D30FEC6E7}" type="slidenum">
               <a:rPr lang="en-US" smtClean="0"/>
-              <a:t>74</a:t>
+              <a:t>73</a:t>
             </a:fld>
             <a:endParaRPr lang="en-US"/>
           </a:p>
@@ -9923,7 +8581,7 @@
     </p:spTree>
     <p:extLst>
       <p:ext uri="{BB962C8B-B14F-4D97-AF65-F5344CB8AC3E}">
-        <p14:creationId xmlns:p14="http://schemas.microsoft.com/office/powerpoint/2010/main" val="456613411"/>
+        <p14:creationId xmlns:p14="http://schemas.microsoft.com/office/powerpoint/2010/main" val="1560212068"/>
       </p:ext>
     </p:extLst>
   </p:cSld>
@@ -9977,7 +8635,7 @@
           <a:bodyPr/>
           <a:lstStyle/>
           <a:p>
-            <a:endParaRPr lang="en-US"/>
+            <a:endParaRPr lang="en-US" dirty="0"/>
           </a:p>
         </p:txBody>
       </p:sp>
@@ -9998,7 +8656,7 @@
           <a:p>
             <a:fld id="{AE28AEAF-8AED-4B17-803F-0A6D30FEC6E7}" type="slidenum">
               <a:rPr lang="en-US" smtClean="0"/>
-              <a:t>75</a:t>
+              <a:t>74</a:t>
             </a:fld>
             <a:endParaRPr lang="en-US"/>
           </a:p>
@@ -10007,7 +8665,7 @@
     </p:spTree>
     <p:extLst>
       <p:ext uri="{BB962C8B-B14F-4D97-AF65-F5344CB8AC3E}">
-        <p14:creationId xmlns:p14="http://schemas.microsoft.com/office/powerpoint/2010/main" val="3407518372"/>
+        <p14:creationId xmlns:p14="http://schemas.microsoft.com/office/powerpoint/2010/main" val="456613411"/>
       </p:ext>
     </p:extLst>
   </p:cSld>
@@ -10061,7 +8719,7 @@
           <a:bodyPr/>
           <a:lstStyle/>
           <a:p>
-            <a:endParaRPr lang="en-US" dirty="0"/>
+            <a:endParaRPr lang="en-US"/>
           </a:p>
         </p:txBody>
       </p:sp>
@@ -10082,7 +8740,7 @@
           <a:p>
             <a:fld id="{AE28AEAF-8AED-4B17-803F-0A6D30FEC6E7}" type="slidenum">
               <a:rPr lang="en-US" smtClean="0"/>
-              <a:t>76</a:t>
+              <a:t>75</a:t>
             </a:fld>
             <a:endParaRPr lang="en-US"/>
           </a:p>
@@ -10091,7 +8749,7 @@
     </p:spTree>
     <p:extLst>
       <p:ext uri="{BB962C8B-B14F-4D97-AF65-F5344CB8AC3E}">
-        <p14:creationId xmlns:p14="http://schemas.microsoft.com/office/powerpoint/2010/main" val="3931450371"/>
+        <p14:creationId xmlns:p14="http://schemas.microsoft.com/office/powerpoint/2010/main" val="3407518372"/>
       </p:ext>
     </p:extLst>
   </p:cSld>
@@ -10166,7 +8824,7 @@
           <a:p>
             <a:fld id="{AE28AEAF-8AED-4B17-803F-0A6D30FEC6E7}" type="slidenum">
               <a:rPr lang="en-US" smtClean="0"/>
-              <a:t>77</a:t>
+              <a:t>76</a:t>
             </a:fld>
             <a:endParaRPr lang="en-US"/>
           </a:p>
@@ -10175,7 +8833,7 @@
     </p:spTree>
     <p:extLst>
       <p:ext uri="{BB962C8B-B14F-4D97-AF65-F5344CB8AC3E}">
-        <p14:creationId xmlns:p14="http://schemas.microsoft.com/office/powerpoint/2010/main" val="3412113432"/>
+        <p14:creationId xmlns:p14="http://schemas.microsoft.com/office/powerpoint/2010/main" val="3931450371"/>
       </p:ext>
     </p:extLst>
   </p:cSld>
@@ -10250,7 +8908,7 @@
           <a:p>
             <a:fld id="{AE28AEAF-8AED-4B17-803F-0A6D30FEC6E7}" type="slidenum">
               <a:rPr lang="en-US" smtClean="0"/>
-              <a:t>78</a:t>
+              <a:t>77</a:t>
             </a:fld>
             <a:endParaRPr lang="en-US"/>
           </a:p>
@@ -10259,7 +8917,7 @@
     </p:spTree>
     <p:extLst>
       <p:ext uri="{BB962C8B-B14F-4D97-AF65-F5344CB8AC3E}">
-        <p14:creationId xmlns:p14="http://schemas.microsoft.com/office/powerpoint/2010/main" val="2646943756"/>
+        <p14:creationId xmlns:p14="http://schemas.microsoft.com/office/powerpoint/2010/main" val="3412113432"/>
       </p:ext>
     </p:extLst>
   </p:cSld>
@@ -10334,7 +8992,7 @@
           <a:p>
             <a:fld id="{AE28AEAF-8AED-4B17-803F-0A6D30FEC6E7}" type="slidenum">
               <a:rPr lang="en-US" smtClean="0"/>
-              <a:t>79</a:t>
+              <a:t>78</a:t>
             </a:fld>
             <a:endParaRPr lang="en-US"/>
           </a:p>
@@ -10343,7 +9001,7 @@
     </p:spTree>
     <p:extLst>
       <p:ext uri="{BB962C8B-B14F-4D97-AF65-F5344CB8AC3E}">
-        <p14:creationId xmlns:p14="http://schemas.microsoft.com/office/powerpoint/2010/main" val="1974705472"/>
+        <p14:creationId xmlns:p14="http://schemas.microsoft.com/office/powerpoint/2010/main" val="2646943756"/>
       </p:ext>
     </p:extLst>
   </p:cSld>
@@ -10418,7 +9076,7 @@
           <a:p>
             <a:fld id="{AE28AEAF-8AED-4B17-803F-0A6D30FEC6E7}" type="slidenum">
               <a:rPr lang="en-US" smtClean="0"/>
-              <a:t>80</a:t>
+              <a:t>79</a:t>
             </a:fld>
             <a:endParaRPr lang="en-US"/>
           </a:p>
@@ -10427,7 +9085,7 @@
     </p:spTree>
     <p:extLst>
       <p:ext uri="{BB962C8B-B14F-4D97-AF65-F5344CB8AC3E}">
-        <p14:creationId xmlns:p14="http://schemas.microsoft.com/office/powerpoint/2010/main" val="424224886"/>
+        <p14:creationId xmlns:p14="http://schemas.microsoft.com/office/powerpoint/2010/main" val="1974705472"/>
       </p:ext>
     </p:extLst>
   </p:cSld>
@@ -10592,7 +9250,7 @@
           <a:p>
             <a:fld id="{AE28AEAF-8AED-4B17-803F-0A6D30FEC6E7}" type="slidenum">
               <a:rPr lang="en-US" smtClean="0"/>
-              <a:t>81</a:t>
+              <a:t>80</a:t>
             </a:fld>
             <a:endParaRPr lang="en-US"/>
           </a:p>
@@ -10601,7 +9259,7 @@
     </p:spTree>
     <p:extLst>
       <p:ext uri="{BB962C8B-B14F-4D97-AF65-F5344CB8AC3E}">
-        <p14:creationId xmlns:p14="http://schemas.microsoft.com/office/powerpoint/2010/main" val="3227258769"/>
+        <p14:creationId xmlns:p14="http://schemas.microsoft.com/office/powerpoint/2010/main" val="424224886"/>
       </p:ext>
     </p:extLst>
   </p:cSld>
@@ -10676,7 +9334,7 @@
           <a:p>
             <a:fld id="{AE28AEAF-8AED-4B17-803F-0A6D30FEC6E7}" type="slidenum">
               <a:rPr lang="en-US" smtClean="0"/>
-              <a:t>82</a:t>
+              <a:t>81</a:t>
             </a:fld>
             <a:endParaRPr lang="en-US"/>
           </a:p>
@@ -10685,7 +9343,7 @@
     </p:spTree>
     <p:extLst>
       <p:ext uri="{BB962C8B-B14F-4D97-AF65-F5344CB8AC3E}">
-        <p14:creationId xmlns:p14="http://schemas.microsoft.com/office/powerpoint/2010/main" val="335568517"/>
+        <p14:creationId xmlns:p14="http://schemas.microsoft.com/office/powerpoint/2010/main" val="3227258769"/>
       </p:ext>
     </p:extLst>
   </p:cSld>
@@ -10760,7 +9418,7 @@
           <a:p>
             <a:fld id="{AE28AEAF-8AED-4B17-803F-0A6D30FEC6E7}" type="slidenum">
               <a:rPr lang="en-US" smtClean="0"/>
-              <a:t>83</a:t>
+              <a:t>82</a:t>
             </a:fld>
             <a:endParaRPr lang="en-US"/>
           </a:p>
@@ -10769,7 +9427,7 @@
     </p:spTree>
     <p:extLst>
       <p:ext uri="{BB962C8B-B14F-4D97-AF65-F5344CB8AC3E}">
-        <p14:creationId xmlns:p14="http://schemas.microsoft.com/office/powerpoint/2010/main" val="1572891396"/>
+        <p14:creationId xmlns:p14="http://schemas.microsoft.com/office/powerpoint/2010/main" val="335568517"/>
       </p:ext>
     </p:extLst>
   </p:cSld>
@@ -10844,7 +9502,7 @@
           <a:p>
             <a:fld id="{AE28AEAF-8AED-4B17-803F-0A6D30FEC6E7}" type="slidenum">
               <a:rPr lang="en-US" smtClean="0"/>
-              <a:t>84</a:t>
+              <a:t>83</a:t>
             </a:fld>
             <a:endParaRPr lang="en-US"/>
           </a:p>
@@ -10853,7 +9511,7 @@
     </p:spTree>
     <p:extLst>
       <p:ext uri="{BB962C8B-B14F-4D97-AF65-F5344CB8AC3E}">
-        <p14:creationId xmlns:p14="http://schemas.microsoft.com/office/powerpoint/2010/main" val="736462636"/>
+        <p14:creationId xmlns:p14="http://schemas.microsoft.com/office/powerpoint/2010/main" val="1572891396"/>
       </p:ext>
     </p:extLst>
   </p:cSld>
@@ -10928,7 +9586,7 @@
           <a:p>
             <a:fld id="{AE28AEAF-8AED-4B17-803F-0A6D30FEC6E7}" type="slidenum">
               <a:rPr lang="en-US" smtClean="0"/>
-              <a:t>85</a:t>
+              <a:t>84</a:t>
             </a:fld>
             <a:endParaRPr lang="en-US"/>
           </a:p>
@@ -10937,7 +9595,7 @@
     </p:spTree>
     <p:extLst>
       <p:ext uri="{BB962C8B-B14F-4D97-AF65-F5344CB8AC3E}">
-        <p14:creationId xmlns:p14="http://schemas.microsoft.com/office/powerpoint/2010/main" val="3034550098"/>
+        <p14:creationId xmlns:p14="http://schemas.microsoft.com/office/powerpoint/2010/main" val="736462636"/>
       </p:ext>
     </p:extLst>
   </p:cSld>
@@ -11012,7 +9670,7 @@
           <a:p>
             <a:fld id="{AE28AEAF-8AED-4B17-803F-0A6D30FEC6E7}" type="slidenum">
               <a:rPr lang="en-US" smtClean="0"/>
-              <a:t>86</a:t>
+              <a:t>85</a:t>
             </a:fld>
             <a:endParaRPr lang="en-US"/>
           </a:p>
@@ -11021,7 +9679,7 @@
     </p:spTree>
     <p:extLst>
       <p:ext uri="{BB962C8B-B14F-4D97-AF65-F5344CB8AC3E}">
-        <p14:creationId xmlns:p14="http://schemas.microsoft.com/office/powerpoint/2010/main" val="883729924"/>
+        <p14:creationId xmlns:p14="http://schemas.microsoft.com/office/powerpoint/2010/main" val="3034550098"/>
       </p:ext>
     </p:extLst>
   </p:cSld>
@@ -11096,7 +9754,7 @@
           <a:p>
             <a:fld id="{AE28AEAF-8AED-4B17-803F-0A6D30FEC6E7}" type="slidenum">
               <a:rPr lang="en-US" smtClean="0"/>
-              <a:t>87</a:t>
+              <a:t>86</a:t>
             </a:fld>
             <a:endParaRPr lang="en-US"/>
           </a:p>
@@ -11105,7 +9763,7 @@
     </p:spTree>
     <p:extLst>
       <p:ext uri="{BB962C8B-B14F-4D97-AF65-F5344CB8AC3E}">
-        <p14:creationId xmlns:p14="http://schemas.microsoft.com/office/powerpoint/2010/main" val="500311239"/>
+        <p14:creationId xmlns:p14="http://schemas.microsoft.com/office/powerpoint/2010/main" val="883729924"/>
       </p:ext>
     </p:extLst>
   </p:cSld>
@@ -11159,7 +9817,7 @@
           <a:bodyPr/>
           <a:lstStyle/>
           <a:p>
-            <a:endParaRPr lang="en-US"/>
+            <a:endParaRPr lang="en-US" dirty="0"/>
           </a:p>
         </p:txBody>
       </p:sp>
@@ -11180,7 +9838,7 @@
           <a:p>
             <a:fld id="{AE28AEAF-8AED-4B17-803F-0A6D30FEC6E7}" type="slidenum">
               <a:rPr lang="en-US" smtClean="0"/>
-              <a:t>89</a:t>
+              <a:t>87</a:t>
             </a:fld>
             <a:endParaRPr lang="en-US"/>
           </a:p>
@@ -11189,7 +9847,7 @@
     </p:spTree>
     <p:extLst>
       <p:ext uri="{BB962C8B-B14F-4D97-AF65-F5344CB8AC3E}">
-        <p14:creationId xmlns:p14="http://schemas.microsoft.com/office/powerpoint/2010/main" val="1464360200"/>
+        <p14:creationId xmlns:p14="http://schemas.microsoft.com/office/powerpoint/2010/main" val="500311239"/>
       </p:ext>
     </p:extLst>
   </p:cSld>
@@ -11264,7 +9922,7 @@
           <a:p>
             <a:fld id="{AE28AEAF-8AED-4B17-803F-0A6D30FEC6E7}" type="slidenum">
               <a:rPr lang="en-US" smtClean="0"/>
-              <a:t>90</a:t>
+              <a:t>88</a:t>
             </a:fld>
             <a:endParaRPr lang="en-US"/>
           </a:p>
@@ -11273,7 +9931,7 @@
     </p:spTree>
     <p:extLst>
       <p:ext uri="{BB962C8B-B14F-4D97-AF65-F5344CB8AC3E}">
-        <p14:creationId xmlns:p14="http://schemas.microsoft.com/office/powerpoint/2010/main" val="2429846753"/>
+        <p14:creationId xmlns:p14="http://schemas.microsoft.com/office/powerpoint/2010/main" val="1643846097"/>
       </p:ext>
     </p:extLst>
   </p:cSld>
@@ -11348,7 +10006,7 @@
           <a:p>
             <a:fld id="{AE28AEAF-8AED-4B17-803F-0A6D30FEC6E7}" type="slidenum">
               <a:rPr lang="en-US" smtClean="0"/>
-              <a:t>91</a:t>
+              <a:t>89</a:t>
             </a:fld>
             <a:endParaRPr lang="en-US"/>
           </a:p>
@@ -11357,7 +10015,7 @@
     </p:spTree>
     <p:extLst>
       <p:ext uri="{BB962C8B-B14F-4D97-AF65-F5344CB8AC3E}">
-        <p14:creationId xmlns:p14="http://schemas.microsoft.com/office/powerpoint/2010/main" val="3147505005"/>
+        <p14:creationId xmlns:p14="http://schemas.microsoft.com/office/powerpoint/2010/main" val="1464360200"/>
       </p:ext>
     </p:extLst>
   </p:cSld>
@@ -11464,6 +10122,174 @@
 </file>
 
 <file path=ppt/notesSlides/notesSlide90.xml><?xml version="1.0" encoding="utf-8"?>
+<p:notes xmlns:a="http://schemas.openxmlformats.org/drawingml/2006/main" xmlns:r="http://schemas.openxmlformats.org/officeDocument/2006/relationships" xmlns:p="http://schemas.openxmlformats.org/presentationml/2006/main">
+  <p:cSld>
+    <p:spTree>
+      <p:nvGrpSpPr>
+        <p:cNvPr id="1" name=""/>
+        <p:cNvGrpSpPr/>
+        <p:nvPr/>
+      </p:nvGrpSpPr>
+      <p:grpSpPr>
+        <a:xfrm>
+          <a:off x="0" y="0"/>
+          <a:ext cx="0" cy="0"/>
+          <a:chOff x="0" y="0"/>
+          <a:chExt cx="0" cy="0"/>
+        </a:xfrm>
+      </p:grpSpPr>
+      <p:sp>
+        <p:nvSpPr>
+          <p:cNvPr id="2" name="Slide Image Placeholder 1"/>
+          <p:cNvSpPr>
+            <a:spLocks noGrp="1" noRot="1" noChangeAspect="1"/>
+          </p:cNvSpPr>
+          <p:nvPr>
+            <p:ph type="sldImg"/>
+          </p:nvPr>
+        </p:nvSpPr>
+        <p:spPr/>
+      </p:sp>
+      <p:sp>
+        <p:nvSpPr>
+          <p:cNvPr id="3" name="Notes Placeholder 2"/>
+          <p:cNvSpPr>
+            <a:spLocks noGrp="1"/>
+          </p:cNvSpPr>
+          <p:nvPr>
+            <p:ph type="body" idx="1"/>
+          </p:nvPr>
+        </p:nvSpPr>
+        <p:spPr/>
+        <p:txBody>
+          <a:bodyPr/>
+          <a:lstStyle/>
+          <a:p>
+            <a:endParaRPr lang="en-US"/>
+          </a:p>
+        </p:txBody>
+      </p:sp>
+      <p:sp>
+        <p:nvSpPr>
+          <p:cNvPr id="4" name="Slide Number Placeholder 3"/>
+          <p:cNvSpPr>
+            <a:spLocks noGrp="1"/>
+          </p:cNvSpPr>
+          <p:nvPr>
+            <p:ph type="sldNum" sz="quarter" idx="10"/>
+          </p:nvPr>
+        </p:nvSpPr>
+        <p:spPr/>
+        <p:txBody>
+          <a:bodyPr/>
+          <a:lstStyle/>
+          <a:p>
+            <a:fld id="{AE28AEAF-8AED-4B17-803F-0A6D30FEC6E7}" type="slidenum">
+              <a:rPr lang="en-US" smtClean="0"/>
+              <a:t>90</a:t>
+            </a:fld>
+            <a:endParaRPr lang="en-US"/>
+          </a:p>
+        </p:txBody>
+      </p:sp>
+    </p:spTree>
+    <p:extLst>
+      <p:ext uri="{BB962C8B-B14F-4D97-AF65-F5344CB8AC3E}">
+        <p14:creationId xmlns:p14="http://schemas.microsoft.com/office/powerpoint/2010/main" val="2429846753"/>
+      </p:ext>
+    </p:extLst>
+  </p:cSld>
+  <p:clrMapOvr>
+    <a:masterClrMapping/>
+  </p:clrMapOvr>
+</p:notes>
+</file>
+
+<file path=ppt/notesSlides/notesSlide91.xml><?xml version="1.0" encoding="utf-8"?>
+<p:notes xmlns:a="http://schemas.openxmlformats.org/drawingml/2006/main" xmlns:r="http://schemas.openxmlformats.org/officeDocument/2006/relationships" xmlns:p="http://schemas.openxmlformats.org/presentationml/2006/main">
+  <p:cSld>
+    <p:spTree>
+      <p:nvGrpSpPr>
+        <p:cNvPr id="1" name=""/>
+        <p:cNvGrpSpPr/>
+        <p:nvPr/>
+      </p:nvGrpSpPr>
+      <p:grpSpPr>
+        <a:xfrm>
+          <a:off x="0" y="0"/>
+          <a:ext cx="0" cy="0"/>
+          <a:chOff x="0" y="0"/>
+          <a:chExt cx="0" cy="0"/>
+        </a:xfrm>
+      </p:grpSpPr>
+      <p:sp>
+        <p:nvSpPr>
+          <p:cNvPr id="2" name="Slide Image Placeholder 1"/>
+          <p:cNvSpPr>
+            <a:spLocks noGrp="1" noRot="1" noChangeAspect="1"/>
+          </p:cNvSpPr>
+          <p:nvPr>
+            <p:ph type="sldImg"/>
+          </p:nvPr>
+        </p:nvSpPr>
+        <p:spPr/>
+      </p:sp>
+      <p:sp>
+        <p:nvSpPr>
+          <p:cNvPr id="3" name="Notes Placeholder 2"/>
+          <p:cNvSpPr>
+            <a:spLocks noGrp="1"/>
+          </p:cNvSpPr>
+          <p:nvPr>
+            <p:ph type="body" idx="1"/>
+          </p:nvPr>
+        </p:nvSpPr>
+        <p:spPr/>
+        <p:txBody>
+          <a:bodyPr/>
+          <a:lstStyle/>
+          <a:p>
+            <a:endParaRPr lang="en-US"/>
+          </a:p>
+        </p:txBody>
+      </p:sp>
+      <p:sp>
+        <p:nvSpPr>
+          <p:cNvPr id="4" name="Slide Number Placeholder 3"/>
+          <p:cNvSpPr>
+            <a:spLocks noGrp="1"/>
+          </p:cNvSpPr>
+          <p:nvPr>
+            <p:ph type="sldNum" sz="quarter" idx="10"/>
+          </p:nvPr>
+        </p:nvSpPr>
+        <p:spPr/>
+        <p:txBody>
+          <a:bodyPr/>
+          <a:lstStyle/>
+          <a:p>
+            <a:fld id="{AE28AEAF-8AED-4B17-803F-0A6D30FEC6E7}" type="slidenum">
+              <a:rPr lang="en-US" smtClean="0"/>
+              <a:t>91</a:t>
+            </a:fld>
+            <a:endParaRPr lang="en-US"/>
+          </a:p>
+        </p:txBody>
+      </p:sp>
+    </p:spTree>
+    <p:extLst>
+      <p:ext uri="{BB962C8B-B14F-4D97-AF65-F5344CB8AC3E}">
+        <p14:creationId xmlns:p14="http://schemas.microsoft.com/office/powerpoint/2010/main" val="3147505005"/>
+      </p:ext>
+    </p:extLst>
+  </p:cSld>
+  <p:clrMapOvr>
+    <a:masterClrMapping/>
+  </p:clrMapOvr>
+</p:notes>
+</file>
+
+<file path=ppt/notesSlides/notesSlide92.xml><?xml version="1.0" encoding="utf-8"?>
 <p:notes xmlns:a="http://schemas.openxmlformats.org/drawingml/2006/main" xmlns:r="http://schemas.openxmlformats.org/officeDocument/2006/relationships" xmlns:p="http://schemas.openxmlformats.org/presentationml/2006/main">
   <p:cSld>
     <p:spTree>
@@ -11775,7 +10601,7 @@
           <a:p>
             <a:fld id="{C2582036-1589-42CA-A0FA-9FDA28D72B3E}" type="datetimeFigureOut">
               <a:rPr lang="en-US" smtClean="0"/>
-              <a:t>6/26/2016</a:t>
+              <a:t>2/16/2017</a:t>
             </a:fld>
             <a:endParaRPr lang="en-US"/>
           </a:p>
@@ -11983,7 +10809,7 @@
           <a:p>
             <a:fld id="{C2582036-1589-42CA-A0FA-9FDA28D72B3E}" type="datetimeFigureOut">
               <a:rPr lang="en-US" smtClean="0"/>
-              <a:t>6/26/2016</a:t>
+              <a:t>2/16/2017</a:t>
             </a:fld>
             <a:endParaRPr lang="en-US"/>
           </a:p>
@@ -12241,7 +11067,7 @@
           <a:p>
             <a:fld id="{C2582036-1589-42CA-A0FA-9FDA28D72B3E}" type="datetimeFigureOut">
               <a:rPr lang="en-US" smtClean="0"/>
-              <a:t>6/26/2016</a:t>
+              <a:t>2/16/2017</a:t>
             </a:fld>
             <a:endParaRPr lang="en-US"/>
           </a:p>
@@ -12411,7 +11237,7 @@
           <a:p>
             <a:fld id="{C2582036-1589-42CA-A0FA-9FDA28D72B3E}" type="datetimeFigureOut">
               <a:rPr lang="en-US" smtClean="0"/>
-              <a:t>6/26/2016</a:t>
+              <a:t>2/16/2017</a:t>
             </a:fld>
             <a:endParaRPr lang="en-US"/>
           </a:p>
@@ -12748,7 +11574,7 @@
           <a:p>
             <a:fld id="{C2582036-1589-42CA-A0FA-9FDA28D72B3E}" type="datetimeFigureOut">
               <a:rPr lang="en-US" smtClean="0"/>
-              <a:t>6/26/2016</a:t>
+              <a:t>2/16/2017</a:t>
             </a:fld>
             <a:endParaRPr lang="en-US"/>
           </a:p>
@@ -13023,7 +11849,7 @@
           <a:p>
             <a:fld id="{C2582036-1589-42CA-A0FA-9FDA28D72B3E}" type="datetimeFigureOut">
               <a:rPr lang="en-US" smtClean="0"/>
-              <a:t>6/26/2016</a:t>
+              <a:t>2/16/2017</a:t>
             </a:fld>
             <a:endParaRPr lang="en-US"/>
           </a:p>
@@ -13406,7 +12232,7 @@
           <a:p>
             <a:fld id="{C2582036-1589-42CA-A0FA-9FDA28D72B3E}" type="datetimeFigureOut">
               <a:rPr lang="en-US" smtClean="0"/>
-              <a:t>6/26/2016</a:t>
+              <a:t>2/16/2017</a:t>
             </a:fld>
             <a:endParaRPr lang="en-US"/>
           </a:p>
@@ -13524,7 +12350,7 @@
           <a:p>
             <a:fld id="{C2582036-1589-42CA-A0FA-9FDA28D72B3E}" type="datetimeFigureOut">
               <a:rPr lang="en-US" smtClean="0"/>
-              <a:t>6/26/2016</a:t>
+              <a:t>2/16/2017</a:t>
             </a:fld>
             <a:endParaRPr lang="en-US"/>
           </a:p>
@@ -13697,7 +12523,7 @@
           <a:p>
             <a:fld id="{C2582036-1589-42CA-A0FA-9FDA28D72B3E}" type="datetimeFigureOut">
               <a:rPr lang="en-US" smtClean="0"/>
-              <a:t>6/26/2016</a:t>
+              <a:t>2/16/2017</a:t>
             </a:fld>
             <a:endParaRPr lang="en-US"/>
           </a:p>
@@ -14053,7 +12879,7 @@
           <a:p>
             <a:fld id="{C2582036-1589-42CA-A0FA-9FDA28D72B3E}" type="datetimeFigureOut">
               <a:rPr lang="en-US" smtClean="0"/>
-              <a:t>6/26/2016</a:t>
+              <a:t>2/16/2017</a:t>
             </a:fld>
             <a:endParaRPr lang="en-US"/>
           </a:p>
@@ -14401,7 +13227,7 @@
           <a:p>
             <a:fld id="{C2582036-1589-42CA-A0FA-9FDA28D72B3E}" type="datetimeFigureOut">
               <a:rPr lang="en-US" smtClean="0"/>
-              <a:t>6/26/2016</a:t>
+              <a:t>2/16/2017</a:t>
             </a:fld>
             <a:endParaRPr lang="en-US"/>
           </a:p>
@@ -14712,7 +13538,7 @@
           <a:p>
             <a:fld id="{C2582036-1589-42CA-A0FA-9FDA28D72B3E}" type="datetimeFigureOut">
               <a:rPr lang="en-US" smtClean="0"/>
-              <a:t>6/26/2016</a:t>
+              <a:t>2/16/2017</a:t>
             </a:fld>
             <a:endParaRPr lang="en-US"/>
           </a:p>
